--- a/media/generated_ppts/DR IAM_Agadir NOMATIS.pptx
+++ b/media/generated_ppts/DR IAM_Agadir NOMATIS.pptx
@@ -3091,6 +3091,49 @@
       <p:grpSpPr/>
       <p:sp>
         <p:nvSpPr>
+          <p:cNvPr id="4" name="Rectangle 3"/>
+          <p:cNvSpPr/>
+          <p:nvPr/>
+        </p:nvSpPr>
+        <p:spPr>
+          <a:xfrm>
+            <a:off x="792000" y="792000"/>
+            <a:ext cx="7632000" cy="5328000"/>
+          </a:xfrm>
+          <a:prstGeom prst="rect">
+            <a:avLst/>
+          </a:prstGeom>
+          <a:noFill/>
+          <a:ln w="38100">
+            <a:solidFill>
+              <a:srgbClr val="000000"/>
+            </a:solidFill>
+          </a:ln>
+        </p:spPr>
+        <p:style>
+          <a:lnRef idx="1">
+            <a:schemeClr val="accent1"/>
+          </a:lnRef>
+          <a:fillRef idx="3">
+            <a:schemeClr val="accent1"/>
+          </a:fillRef>
+          <a:effectRef idx="2">
+            <a:schemeClr val="accent1"/>
+          </a:effectRef>
+          <a:fontRef idx="minor">
+            <a:schemeClr val="lt1"/>
+          </a:fontRef>
+        </p:style>
+        <p:txBody>
+          <a:bodyPr rtlCol="0" anchor="ctr"/>
+          <a:lstStyle/>
+          <a:p>
+            <a:pPr algn="ctr"/>
+          </a:p>
+        </p:txBody>
+      </p:sp>
+      <p:sp>
+        <p:nvSpPr>
           <p:cNvPr id="2" name="Title 1"/>
           <p:cNvSpPr>
             <a:spLocks noGrp="1"/>
@@ -3105,7 +3148,10 @@
           <a:lstStyle/>
           <a:p>
             <a:pPr>
-              <a:defRPr sz="3200">
+              <a:defRPr sz="3200" b="1">
+                <a:solidFill>
+                  <a:srgbClr val="000000"/>
+                </a:solidFill>
                 <a:latin typeface="Arial Narrow"/>
               </a:defRPr>
             </a:pPr>
@@ -3132,6 +3178,9 @@
           <a:p>
             <a:pPr>
               <a:defRPr sz="1800">
+                <a:solidFill>
+                  <a:srgbClr val="404040"/>
+                </a:solidFill>
                 <a:latin typeface="Arial Narrow"/>
               </a:defRPr>
             </a:pPr>
@@ -3161,7 +3210,7 @@
       <p:grpSpPr/>
       <p:pic>
         <p:nvPicPr>
-          <p:cNvPr id="2" name="Picture 1" descr="AA.jpeg"/>
+          <p:cNvPr id="2" name="Picture 1" descr="AAA.jpeg"/>
           <p:cNvPicPr>
             <a:picLocks noChangeAspect="1"/>
           </p:cNvPicPr>
@@ -3176,7 +3225,7 @@
         <p:spPr>
           <a:xfrm>
             <a:off x="360000" y="180000"/>
-            <a:ext cx="9360000" cy="2520000"/>
+            <a:ext cx="8820000" cy="2520000"/>
           </a:xfrm>
           <a:prstGeom prst="rect">
             <a:avLst/>

--- a/media/generated_ppts/DR IAM_Agadir NOMATIS.pptx
+++ b/media/generated_ppts/DR IAM_Agadir NOMATIS.pptx
@@ -3242,7 +3242,7 @@
         </p:nvGraphicFramePr>
         <p:xfrm>
           <a:off x="360000" y="2700000"/>
-          <a:ext cx="8747999" cy="324000"/>
+          <a:ext cx="8351997" cy="324000"/>
         </p:xfrm>
         <a:graphic>
           <a:graphicData uri="http://schemas.openxmlformats.org/drawingml/2006/table">
@@ -3251,13 +3251,15 @@
                 <a:tableStyleId>{5C22544A-7EE6-4342-B048-85BDC9FD1C3A}</a:tableStyleId>
               </a:tblPr>
               <a:tblGrid>
-                <a:gridCol w="648000"/>
+                <a:gridCol w="612000"/>
                 <a:gridCol w="864000"/>
-                <a:gridCol w="1332000"/>
-                <a:gridCol w="936000"/>
+                <a:gridCol w="1116000"/>
+                <a:gridCol w="1116000"/>
+                <a:gridCol w="900000"/>
+                <a:gridCol w="900000"/>
+                <a:gridCol w="827999"/>
                 <a:gridCol w="1007999"/>
-                <a:gridCol w="2232000"/>
-                <a:gridCol w="1728000"/>
+                <a:gridCol w="1007999"/>
               </a:tblGrid>
               <a:tr h="36000">
                 <a:tc>
@@ -3280,7 +3282,7 @@
                   </a:txBody>
                   <a:tcPr>
                     <a:solidFill>
-                      <a:srgbClr val="4472C4"/>
+                      <a:srgbClr val="FF6800"/>
                     </a:solidFill>
                   </a:tcPr>
                 </a:tc>
@@ -3304,7 +3306,7 @@
                   </a:txBody>
                   <a:tcPr>
                     <a:solidFill>
-                      <a:srgbClr val="4472C4"/>
+                      <a:srgbClr val="FF6800"/>
                     </a:solidFill>
                   </a:tcPr>
                 </a:tc>
@@ -3328,7 +3330,7 @@
                   </a:txBody>
                   <a:tcPr>
                     <a:solidFill>
-                      <a:srgbClr val="4472C4"/>
+                      <a:srgbClr val="FF6800"/>
                     </a:solidFill>
                   </a:tcPr>
                 </a:tc>
@@ -3346,13 +3348,13 @@
                         </a:defRPr>
                       </a:pPr>
                       <a:r>
-                        <a:t>DR IAM</a:t>
-                      </a:r>
-                    </a:p>
-                  </a:txBody>
-                  <a:tcPr>
-                    <a:solidFill>
-                      <a:srgbClr val="4472C4"/>
+                        <a:t>Contact IAM</a:t>
+                      </a:r>
+                    </a:p>
+                  </a:txBody>
+                  <a:tcPr>
+                    <a:solidFill>
+                      <a:srgbClr val="FF6800"/>
                     </a:solidFill>
                   </a:tcPr>
                 </a:tc>
@@ -3370,13 +3372,13 @@
                         </a:defRPr>
                       </a:pPr>
                       <a:r>
-                        <a:t>ville</a:t>
-                      </a:r>
-                    </a:p>
-                  </a:txBody>
-                  <a:tcPr>
-                    <a:solidFill>
-                      <a:srgbClr val="4472C4"/>
+                        <a:t>DR IAM</a:t>
+                      </a:r>
+                    </a:p>
+                  </a:txBody>
+                  <a:tcPr>
+                    <a:solidFill>
+                      <a:srgbClr val="FF6800"/>
                     </a:solidFill>
                   </a:tcPr>
                 </a:tc>
@@ -3394,13 +3396,13 @@
                         </a:defRPr>
                       </a:pPr>
                       <a:r>
-                        <a:t>X Départ ERPT - Y Départ ERPT</a:t>
-                      </a:r>
-                    </a:p>
-                  </a:txBody>
-                  <a:tcPr>
-                    <a:solidFill>
-                      <a:srgbClr val="4472C4"/>
+                        <a:t>ville</a:t>
+                      </a:r>
+                    </a:p>
+                  </a:txBody>
+                  <a:tcPr>
+                    <a:solidFill>
+                      <a:srgbClr val="FF6800"/>
                     </a:solidFill>
                   </a:tcPr>
                 </a:tc>
@@ -3418,13 +3420,61 @@
                         </a:defRPr>
                       </a:pPr>
                       <a:r>
-                        <a:t>X Arrivée ERPT Proposition1 - Y Arrivée</a:t>
-                      </a:r>
-                    </a:p>
-                  </a:txBody>
-                  <a:tcPr>
-                    <a:solidFill>
-                      <a:srgbClr val="4472C4"/>
+                        <a:t>Date TSS</a:t>
+                      </a:r>
+                    </a:p>
+                  </a:txBody>
+                  <a:tcPr>
+                    <a:solidFill>
+                      <a:srgbClr val="FF6800"/>
+                    </a:solidFill>
+                  </a:tcPr>
+                </a:tc>
+                <a:tc>
+                  <a:txBody>
+                    <a:bodyPr tIns="18288" bIns="18288" lIns="45720" rIns="45720"/>
+                    <a:lstStyle/>
+                    <a:p>
+                      <a:pPr>
+                        <a:defRPr sz="700" b="1">
+                          <a:solidFill>
+                            <a:srgbClr val="FFFFFF"/>
+                          </a:solidFill>
+                          <a:latin typeface="Arial Narrow"/>
+                        </a:defRPr>
+                      </a:pPr>
+                      <a:r>
+                        <a:t>X Départ ERPT - Y Départ ERPT</a:t>
+                      </a:r>
+                    </a:p>
+                  </a:txBody>
+                  <a:tcPr>
+                    <a:solidFill>
+                      <a:srgbClr val="FF6800"/>
+                    </a:solidFill>
+                  </a:tcPr>
+                </a:tc>
+                <a:tc>
+                  <a:txBody>
+                    <a:bodyPr tIns="18288" bIns="18288" lIns="45720" rIns="45720"/>
+                    <a:lstStyle/>
+                    <a:p>
+                      <a:pPr>
+                        <a:defRPr sz="700" b="1">
+                          <a:solidFill>
+                            <a:srgbClr val="FFFFFF"/>
+                          </a:solidFill>
+                          <a:latin typeface="Arial Narrow"/>
+                        </a:defRPr>
+                      </a:pPr>
+                      <a:r>
+                        <a:t>X Arrivée ERPT - Y Arrivée ERPT</a:t>
+                      </a:r>
+                    </a:p>
+                  </a:txBody>
+                  <a:tcPr>
+                    <a:solidFill>
+                      <a:srgbClr val="FF6800"/>
                     </a:solidFill>
                   </a:tcPr>
                 </a:tc>
@@ -3445,7 +3495,11 @@
                       </a:r>
                     </a:p>
                   </a:txBody>
-                  <a:tcPr/>
+                  <a:tcPr>
+                    <a:solidFill>
+                      <a:srgbClr val="FFFFFF"/>
+                    </a:solidFill>
+                  </a:tcPr>
                 </a:tc>
                 <a:tc>
                   <a:txBody>
@@ -3462,7 +3516,11 @@
                       </a:r>
                     </a:p>
                   </a:txBody>
-                  <a:tcPr/>
+                  <a:tcPr>
+                    <a:solidFill>
+                      <a:srgbClr val="FFFFFF"/>
+                    </a:solidFill>
+                  </a:tcPr>
                 </a:tc>
                 <a:tc>
                   <a:txBody>
@@ -3479,7 +3537,32 @@
                       </a:r>
                     </a:p>
                   </a:txBody>
-                  <a:tcPr/>
+                  <a:tcPr>
+                    <a:solidFill>
+                      <a:srgbClr val="FFFFFF"/>
+                    </a:solidFill>
+                  </a:tcPr>
+                </a:tc>
+                <a:tc>
+                  <a:txBody>
+                    <a:bodyPr tIns="18288" bIns="18288" lIns="45720" rIns="45720"/>
+                    <a:lstStyle/>
+                    <a:p>
+                      <a:pPr>
+                        <a:defRPr sz="700">
+                          <a:latin typeface="Arial Narrow"/>
+                        </a:defRPr>
+                      </a:pPr>
+                      <a:r>
+                        <a:t>RG</a:t>
+                      </a:r>
+                    </a:p>
+                  </a:txBody>
+                  <a:tcPr>
+                    <a:solidFill>
+                      <a:srgbClr val="FFFFFF"/>
+                    </a:solidFill>
+                  </a:tcPr>
                 </a:tc>
                 <a:tc>
                   <a:txBody>
@@ -3496,7 +3579,11 @@
                       </a:r>
                     </a:p>
                   </a:txBody>
-                  <a:tcPr/>
+                  <a:tcPr>
+                    <a:solidFill>
+                      <a:srgbClr val="FFFFFF"/>
+                    </a:solidFill>
+                  </a:tcPr>
                 </a:tc>
                 <a:tc>
                   <a:txBody>
@@ -3513,41 +3600,74 @@
                       </a:r>
                     </a:p>
                   </a:txBody>
-                  <a:tcPr/>
-                </a:tc>
-                <a:tc>
-                  <a:txBody>
-                    <a:bodyPr tIns="18288" bIns="18288" lIns="45720" rIns="45720"/>
-                    <a:lstStyle/>
-                    <a:p>
-                      <a:pPr>
-                        <a:defRPr sz="700">
-                          <a:latin typeface="Arial Narrow"/>
-                        </a:defRPr>
-                      </a:pPr>
-                      <a:r>
-                        <a:t>-13.1874400000000005, 27.15278969999999958</a:t>
-                      </a:r>
-                    </a:p>
-                  </a:txBody>
-                  <a:tcPr/>
-                </a:tc>
-                <a:tc>
-                  <a:txBody>
-                    <a:bodyPr tIns="18288" bIns="18288" lIns="45720" rIns="45720"/>
-                    <a:lstStyle/>
-                    <a:p>
-                      <a:pPr>
-                        <a:defRPr sz="700">
-                          <a:latin typeface="Arial Narrow"/>
-                        </a:defRPr>
-                      </a:pPr>
-                      <a:r>
-                        <a:t>27.15264578, -13.19149323</a:t>
-                      </a:r>
-                    </a:p>
-                  </a:txBody>
-                  <a:tcPr/>
+                  <a:tcPr>
+                    <a:solidFill>
+                      <a:srgbClr val="FFFFFF"/>
+                    </a:solidFill>
+                  </a:tcPr>
+                </a:tc>
+                <a:tc>
+                  <a:txBody>
+                    <a:bodyPr tIns="18288" bIns="18288" lIns="45720" rIns="45720"/>
+                    <a:lstStyle/>
+                    <a:p>
+                      <a:pPr>
+                        <a:defRPr sz="700">
+                          <a:latin typeface="Arial Narrow"/>
+                        </a:defRPr>
+                      </a:pPr>
+                      <a:r>
+                        <a:t>IUTLK</a:t>
+                      </a:r>
+                    </a:p>
+                  </a:txBody>
+                  <a:tcPr>
+                    <a:solidFill>
+                      <a:srgbClr val="FFFFFF"/>
+                    </a:solidFill>
+                  </a:tcPr>
+                </a:tc>
+                <a:tc>
+                  <a:txBody>
+                    <a:bodyPr tIns="18288" bIns="18288" lIns="45720" rIns="45720"/>
+                    <a:lstStyle/>
+                    <a:p>
+                      <a:pPr>
+                        <a:defRPr sz="700">
+                          <a:latin typeface="Arial Narrow"/>
+                        </a:defRPr>
+                      </a:pPr>
+                      <a:r>
+                        <a:t>-13.18744, 27.15279</a:t>
+                      </a:r>
+                    </a:p>
+                  </a:txBody>
+                  <a:tcPr>
+                    <a:solidFill>
+                      <a:srgbClr val="FFFFFF"/>
+                    </a:solidFill>
+                  </a:tcPr>
+                </a:tc>
+                <a:tc>
+                  <a:txBody>
+                    <a:bodyPr tIns="18288" bIns="18288" lIns="45720" rIns="45720"/>
+                    <a:lstStyle/>
+                    <a:p>
+                      <a:pPr>
+                        <a:defRPr sz="700">
+                          <a:latin typeface="Arial Narrow"/>
+                        </a:defRPr>
+                      </a:pPr>
+                      <a:r>
+                        <a:t>27.15265, -13.19149</a:t>
+                      </a:r>
+                    </a:p>
+                  </a:txBody>
+                  <a:tcPr>
+                    <a:solidFill>
+                      <a:srgbClr val="FFFFFF"/>
+                    </a:solidFill>
+                  </a:tcPr>
                 </a:tc>
               </a:tr>
               <a:tr h="18000">
@@ -3568,7 +3688,7 @@
                   </a:txBody>
                   <a:tcPr>
                     <a:solidFill>
-                      <a:srgbClr val="F2F2F2"/>
+                      <a:srgbClr val="FFD4B9"/>
                     </a:solidFill>
                   </a:tcPr>
                 </a:tc>
@@ -3589,7 +3709,7 @@
                   </a:txBody>
                   <a:tcPr>
                     <a:solidFill>
-                      <a:srgbClr val="F2F2F2"/>
+                      <a:srgbClr val="FFD4B9"/>
                     </a:solidFill>
                   </a:tcPr>
                 </a:tc>
@@ -3610,7 +3730,28 @@
                   </a:txBody>
                   <a:tcPr>
                     <a:solidFill>
-                      <a:srgbClr val="F2F2F2"/>
+                      <a:srgbClr val="FFD4B9"/>
+                    </a:solidFill>
+                  </a:tcPr>
+                </a:tc>
+                <a:tc>
+                  <a:txBody>
+                    <a:bodyPr tIns="18288" bIns="18288" lIns="45720" rIns="45720"/>
+                    <a:lstStyle/>
+                    <a:p>
+                      <a:pPr>
+                        <a:defRPr sz="700">
+                          <a:latin typeface="Arial Narrow"/>
+                        </a:defRPr>
+                      </a:pPr>
+                      <a:r>
+                        <a:t>SG</a:t>
+                      </a:r>
+                    </a:p>
+                  </a:txBody>
+                  <a:tcPr>
+                    <a:solidFill>
+                      <a:srgbClr val="FFD4B9"/>
                     </a:solidFill>
                   </a:tcPr>
                 </a:tc>
@@ -3631,7 +3772,7 @@
                   </a:txBody>
                   <a:tcPr>
                     <a:solidFill>
-                      <a:srgbClr val="F2F2F2"/>
+                      <a:srgbClr val="FFD4B9"/>
                     </a:solidFill>
                   </a:tcPr>
                 </a:tc>
@@ -3652,49 +3793,70 @@
                   </a:txBody>
                   <a:tcPr>
                     <a:solidFill>
-                      <a:srgbClr val="F2F2F2"/>
-                    </a:solidFill>
-                  </a:tcPr>
-                </a:tc>
-                <a:tc>
-                  <a:txBody>
-                    <a:bodyPr tIns="18288" bIns="18288" lIns="45720" rIns="45720"/>
-                    <a:lstStyle/>
-                    <a:p>
-                      <a:pPr>
-                        <a:defRPr sz="700">
-                          <a:latin typeface="Arial Narrow"/>
-                        </a:defRPr>
-                      </a:pPr>
-                      <a:r>
-                        <a:t>-13.17344399999999993, 27.13883300000000176</a:t>
-                      </a:r>
-                    </a:p>
-                  </a:txBody>
-                  <a:tcPr>
-                    <a:solidFill>
-                      <a:srgbClr val="F2F2F2"/>
-                    </a:solidFill>
-                  </a:tcPr>
-                </a:tc>
-                <a:tc>
-                  <a:txBody>
-                    <a:bodyPr tIns="18288" bIns="18288" lIns="45720" rIns="45720"/>
-                    <a:lstStyle/>
-                    <a:p>
-                      <a:pPr>
-                        <a:defRPr sz="700">
-                          <a:latin typeface="Arial Narrow"/>
-                        </a:defRPr>
-                      </a:pPr>
-                      <a:r>
-                        <a:t>27.13610000, -13.17920000</a:t>
-                      </a:r>
-                    </a:p>
-                  </a:txBody>
-                  <a:tcPr>
-                    <a:solidFill>
-                      <a:srgbClr val="F2F2F2"/>
+                      <a:srgbClr val="FFD4B9"/>
+                    </a:solidFill>
+                  </a:tcPr>
+                </a:tc>
+                <a:tc>
+                  <a:txBody>
+                    <a:bodyPr tIns="18288" bIns="18288" lIns="45720" rIns="45720"/>
+                    <a:lstStyle/>
+                    <a:p>
+                      <a:pPr>
+                        <a:defRPr sz="700">
+                          <a:latin typeface="Arial Narrow"/>
+                        </a:defRPr>
+                      </a:pPr>
+                      <a:r>
+                        <a:t>K?U</a:t>
+                      </a:r>
+                    </a:p>
+                  </a:txBody>
+                  <a:tcPr>
+                    <a:solidFill>
+                      <a:srgbClr val="FFD4B9"/>
+                    </a:solidFill>
+                  </a:tcPr>
+                </a:tc>
+                <a:tc>
+                  <a:txBody>
+                    <a:bodyPr tIns="18288" bIns="18288" lIns="45720" rIns="45720"/>
+                    <a:lstStyle/>
+                    <a:p>
+                      <a:pPr>
+                        <a:defRPr sz="700">
+                          <a:latin typeface="Arial Narrow"/>
+                        </a:defRPr>
+                      </a:pPr>
+                      <a:r>
+                        <a:t>-13.17344, 27.13883</a:t>
+                      </a:r>
+                    </a:p>
+                  </a:txBody>
+                  <a:tcPr>
+                    <a:solidFill>
+                      <a:srgbClr val="FFD4B9"/>
+                    </a:solidFill>
+                  </a:tcPr>
+                </a:tc>
+                <a:tc>
+                  <a:txBody>
+                    <a:bodyPr tIns="18288" bIns="18288" lIns="45720" rIns="45720"/>
+                    <a:lstStyle/>
+                    <a:p>
+                      <a:pPr>
+                        <a:defRPr sz="700">
+                          <a:latin typeface="Arial Narrow"/>
+                        </a:defRPr>
+                      </a:pPr>
+                      <a:r>
+                        <a:t>27.13610, -13.17920</a:t>
+                      </a:r>
+                    </a:p>
+                  </a:txBody>
+                  <a:tcPr>
+                    <a:solidFill>
+                      <a:srgbClr val="FFD4B9"/>
                     </a:solidFill>
                   </a:tcPr>
                 </a:tc>
@@ -3715,7 +3877,11 @@
                       </a:r>
                     </a:p>
                   </a:txBody>
-                  <a:tcPr/>
+                  <a:tcPr>
+                    <a:solidFill>
+                      <a:srgbClr val="FFFFFF"/>
+                    </a:solidFill>
+                  </a:tcPr>
                 </a:tc>
                 <a:tc>
                   <a:txBody>
@@ -3732,7 +3898,11 @@
                       </a:r>
                     </a:p>
                   </a:txBody>
-                  <a:tcPr/>
+                  <a:tcPr>
+                    <a:solidFill>
+                      <a:srgbClr val="FFFFFF"/>
+                    </a:solidFill>
+                  </a:tcPr>
                 </a:tc>
                 <a:tc>
                   <a:txBody>
@@ -3749,7 +3919,32 @@
                       </a:r>
                     </a:p>
                   </a:txBody>
-                  <a:tcPr/>
+                  <a:tcPr>
+                    <a:solidFill>
+                      <a:srgbClr val="FFFFFF"/>
+                    </a:solidFill>
+                  </a:tcPr>
+                </a:tc>
+                <a:tc>
+                  <a:txBody>
+                    <a:bodyPr tIns="18288" bIns="18288" lIns="45720" rIns="45720"/>
+                    <a:lstStyle/>
+                    <a:p>
+                      <a:pPr>
+                        <a:defRPr sz="700">
+                          <a:latin typeface="Arial Narrow"/>
+                        </a:defRPr>
+                      </a:pPr>
+                      <a:r>
+                        <a:t>Y</a:t>
+                      </a:r>
+                    </a:p>
+                  </a:txBody>
+                  <a:tcPr>
+                    <a:solidFill>
+                      <a:srgbClr val="FFFFFF"/>
+                    </a:solidFill>
+                  </a:tcPr>
                 </a:tc>
                 <a:tc>
                   <a:txBody>
@@ -3766,7 +3961,11 @@
                       </a:r>
                     </a:p>
                   </a:txBody>
-                  <a:tcPr/>
+                  <a:tcPr>
+                    <a:solidFill>
+                      <a:srgbClr val="FFFFFF"/>
+                    </a:solidFill>
+                  </a:tcPr>
                 </a:tc>
                 <a:tc>
                   <a:txBody>
@@ -3783,41 +3982,74 @@
                       </a:r>
                     </a:p>
                   </a:txBody>
-                  <a:tcPr/>
-                </a:tc>
-                <a:tc>
-                  <a:txBody>
-                    <a:bodyPr tIns="18288" bIns="18288" lIns="45720" rIns="45720"/>
-                    <a:lstStyle/>
-                    <a:p>
-                      <a:pPr>
-                        <a:defRPr sz="700">
-                          <a:latin typeface="Arial Narrow"/>
-                        </a:defRPr>
-                      </a:pPr>
-                      <a:r>
-                        <a:t>-13.154833, 27.12202800000000025</a:t>
-                      </a:r>
-                    </a:p>
-                  </a:txBody>
-                  <a:tcPr/>
-                </a:tc>
-                <a:tc>
-                  <a:txBody>
-                    <a:bodyPr tIns="18288" bIns="18288" lIns="45720" rIns="45720"/>
-                    <a:lstStyle/>
-                    <a:p>
-                      <a:pPr>
-                        <a:defRPr sz="700">
-                          <a:latin typeface="Arial Narrow"/>
-                        </a:defRPr>
-                      </a:pPr>
-                      <a:r>
-                        <a:t>27.13610000, -13.17920000</a:t>
-                      </a:r>
-                    </a:p>
-                  </a:txBody>
-                  <a:tcPr/>
+                  <a:tcPr>
+                    <a:solidFill>
+                      <a:srgbClr val="FFFFFF"/>
+                    </a:solidFill>
+                  </a:tcPr>
+                </a:tc>
+                <a:tc>
+                  <a:txBody>
+                    <a:bodyPr tIns="18288" bIns="18288" lIns="45720" rIns="45720"/>
+                    <a:lstStyle/>
+                    <a:p>
+                      <a:pPr>
+                        <a:defRPr sz="700">
+                          <a:latin typeface="Arial Narrow"/>
+                        </a:defRPr>
+                      </a:pPr>
+                      <a:r>
+                        <a:t>THTEHTHT</a:t>
+                      </a:r>
+                    </a:p>
+                  </a:txBody>
+                  <a:tcPr>
+                    <a:solidFill>
+                      <a:srgbClr val="FFFFFF"/>
+                    </a:solidFill>
+                  </a:tcPr>
+                </a:tc>
+                <a:tc>
+                  <a:txBody>
+                    <a:bodyPr tIns="18288" bIns="18288" lIns="45720" rIns="45720"/>
+                    <a:lstStyle/>
+                    <a:p>
+                      <a:pPr>
+                        <a:defRPr sz="700">
+                          <a:latin typeface="Arial Narrow"/>
+                        </a:defRPr>
+                      </a:pPr>
+                      <a:r>
+                        <a:t>-13.15483, 27.12203</a:t>
+                      </a:r>
+                    </a:p>
+                  </a:txBody>
+                  <a:tcPr>
+                    <a:solidFill>
+                      <a:srgbClr val="FFFFFF"/>
+                    </a:solidFill>
+                  </a:tcPr>
+                </a:tc>
+                <a:tc>
+                  <a:txBody>
+                    <a:bodyPr tIns="18288" bIns="18288" lIns="45720" rIns="45720"/>
+                    <a:lstStyle/>
+                    <a:p>
+                      <a:pPr>
+                        <a:defRPr sz="700">
+                          <a:latin typeface="Arial Narrow"/>
+                        </a:defRPr>
+                      </a:pPr>
+                      <a:r>
+                        <a:t>27.13610, -13.17920</a:t>
+                      </a:r>
+                    </a:p>
+                  </a:txBody>
+                  <a:tcPr>
+                    <a:solidFill>
+                      <a:srgbClr val="FFFFFF"/>
+                    </a:solidFill>
+                  </a:tcPr>
                 </a:tc>
               </a:tr>
               <a:tr h="18000">
@@ -3838,7 +4070,7 @@
                   </a:txBody>
                   <a:tcPr>
                     <a:solidFill>
-                      <a:srgbClr val="F2F2F2"/>
+                      <a:srgbClr val="FFD4B9"/>
                     </a:solidFill>
                   </a:tcPr>
                 </a:tc>
@@ -3859,7 +4091,7 @@
                   </a:txBody>
                   <a:tcPr>
                     <a:solidFill>
-                      <a:srgbClr val="F2F2F2"/>
+                      <a:srgbClr val="FFD4B9"/>
                     </a:solidFill>
                   </a:tcPr>
                 </a:tc>
@@ -3880,7 +4112,28 @@
                   </a:txBody>
                   <a:tcPr>
                     <a:solidFill>
-                      <a:srgbClr val="F2F2F2"/>
+                      <a:srgbClr val="FFD4B9"/>
+                    </a:solidFill>
+                  </a:tcPr>
+                </a:tc>
+                <a:tc>
+                  <a:txBody>
+                    <a:bodyPr tIns="18288" bIns="18288" lIns="45720" rIns="45720"/>
+                    <a:lstStyle/>
+                    <a:p>
+                      <a:pPr>
+                        <a:defRPr sz="700">
+                          <a:latin typeface="Arial Narrow"/>
+                        </a:defRPr>
+                      </a:pPr>
+                      <a:r>
+                        <a:t>J</a:t>
+                      </a:r>
+                    </a:p>
+                  </a:txBody>
+                  <a:tcPr>
+                    <a:solidFill>
+                      <a:srgbClr val="FFD4B9"/>
                     </a:solidFill>
                   </a:tcPr>
                 </a:tc>
@@ -3901,7 +4154,7 @@
                   </a:txBody>
                   <a:tcPr>
                     <a:solidFill>
-                      <a:srgbClr val="F2F2F2"/>
+                      <a:srgbClr val="FFD4B9"/>
                     </a:solidFill>
                   </a:tcPr>
                 </a:tc>
@@ -3922,49 +4175,70 @@
                   </a:txBody>
                   <a:tcPr>
                     <a:solidFill>
-                      <a:srgbClr val="F2F2F2"/>
-                    </a:solidFill>
-                  </a:tcPr>
-                </a:tc>
-                <a:tc>
-                  <a:txBody>
-                    <a:bodyPr tIns="18288" bIns="18288" lIns="45720" rIns="45720"/>
-                    <a:lstStyle/>
-                    <a:p>
-                      <a:pPr>
-                        <a:defRPr sz="700">
-                          <a:latin typeface="Arial Narrow"/>
-                        </a:defRPr>
-                      </a:pPr>
-                      <a:r>
-                        <a:t>-13.15449549999999945, 27.12651879999999949</a:t>
-                      </a:r>
-                    </a:p>
-                  </a:txBody>
-                  <a:tcPr>
-                    <a:solidFill>
-                      <a:srgbClr val="F2F2F2"/>
-                    </a:solidFill>
-                  </a:tcPr>
-                </a:tc>
-                <a:tc>
-                  <a:txBody>
-                    <a:bodyPr tIns="18288" bIns="18288" lIns="45720" rIns="45720"/>
-                    <a:lstStyle/>
-                    <a:p>
-                      <a:pPr>
-                        <a:defRPr sz="700">
-                          <a:latin typeface="Arial Narrow"/>
-                        </a:defRPr>
-                      </a:pPr>
-                      <a:r>
-                        <a:t>27.13610000, -13.17920000</a:t>
-                      </a:r>
-                    </a:p>
-                  </a:txBody>
-                  <a:tcPr>
-                    <a:solidFill>
-                      <a:srgbClr val="F2F2F2"/>
+                      <a:srgbClr val="FFD4B9"/>
+                    </a:solidFill>
+                  </a:tcPr>
+                </a:tc>
+                <a:tc>
+                  <a:txBody>
+                    <a:bodyPr tIns="18288" bIns="18288" lIns="45720" rIns="45720"/>
+                    <a:lstStyle/>
+                    <a:p>
+                      <a:pPr>
+                        <a:defRPr sz="700">
+                          <a:latin typeface="Arial Narrow"/>
+                        </a:defRPr>
+                      </a:pPr>
+                      <a:r>
+                        <a:t>RGAHTHTH</a:t>
+                      </a:r>
+                    </a:p>
+                  </a:txBody>
+                  <a:tcPr>
+                    <a:solidFill>
+                      <a:srgbClr val="FFD4B9"/>
+                    </a:solidFill>
+                  </a:tcPr>
+                </a:tc>
+                <a:tc>
+                  <a:txBody>
+                    <a:bodyPr tIns="18288" bIns="18288" lIns="45720" rIns="45720"/>
+                    <a:lstStyle/>
+                    <a:p>
+                      <a:pPr>
+                        <a:defRPr sz="700">
+                          <a:latin typeface="Arial Narrow"/>
+                        </a:defRPr>
+                      </a:pPr>
+                      <a:r>
+                        <a:t>-13.15450, 27.12652</a:t>
+                      </a:r>
+                    </a:p>
+                  </a:txBody>
+                  <a:tcPr>
+                    <a:solidFill>
+                      <a:srgbClr val="FFD4B9"/>
+                    </a:solidFill>
+                  </a:tcPr>
+                </a:tc>
+                <a:tc>
+                  <a:txBody>
+                    <a:bodyPr tIns="18288" bIns="18288" lIns="45720" rIns="45720"/>
+                    <a:lstStyle/>
+                    <a:p>
+                      <a:pPr>
+                        <a:defRPr sz="700">
+                          <a:latin typeface="Arial Narrow"/>
+                        </a:defRPr>
+                      </a:pPr>
+                      <a:r>
+                        <a:t>27.13610, -13.17920</a:t>
+                      </a:r>
+                    </a:p>
+                  </a:txBody>
+                  <a:tcPr>
+                    <a:solidFill>
+                      <a:srgbClr val="FFD4B9"/>
                     </a:solidFill>
                   </a:tcPr>
                 </a:tc>
@@ -3985,7 +4259,11 @@
                       </a:r>
                     </a:p>
                   </a:txBody>
-                  <a:tcPr/>
+                  <a:tcPr>
+                    <a:solidFill>
+                      <a:srgbClr val="FFFFFF"/>
+                    </a:solidFill>
+                  </a:tcPr>
                 </a:tc>
                 <a:tc>
                   <a:txBody>
@@ -4002,7 +4280,11 @@
                       </a:r>
                     </a:p>
                   </a:txBody>
-                  <a:tcPr/>
+                  <a:tcPr>
+                    <a:solidFill>
+                      <a:srgbClr val="FFFFFF"/>
+                    </a:solidFill>
+                  </a:tcPr>
                 </a:tc>
                 <a:tc>
                   <a:txBody>
@@ -4019,7 +4301,32 @@
                       </a:r>
                     </a:p>
                   </a:txBody>
-                  <a:tcPr/>
+                  <a:tcPr>
+                    <a:solidFill>
+                      <a:srgbClr val="FFFFFF"/>
+                    </a:solidFill>
+                  </a:tcPr>
+                </a:tc>
+                <a:tc>
+                  <a:txBody>
+                    <a:bodyPr tIns="18288" bIns="18288" lIns="45720" rIns="45720"/>
+                    <a:lstStyle/>
+                    <a:p>
+                      <a:pPr>
+                        <a:defRPr sz="700">
+                          <a:latin typeface="Arial Narrow"/>
+                        </a:defRPr>
+                      </a:pPr>
+                      <a:r>
+                        <a:t>YTKJY</a:t>
+                      </a:r>
+                    </a:p>
+                  </a:txBody>
+                  <a:tcPr>
+                    <a:solidFill>
+                      <a:srgbClr val="FFFFFF"/>
+                    </a:solidFill>
+                  </a:tcPr>
                 </a:tc>
                 <a:tc>
                   <a:txBody>
@@ -4036,7 +4343,11 @@
                       </a:r>
                     </a:p>
                   </a:txBody>
-                  <a:tcPr/>
+                  <a:tcPr>
+                    <a:solidFill>
+                      <a:srgbClr val="FFFFFF"/>
+                    </a:solidFill>
+                  </a:tcPr>
                 </a:tc>
                 <a:tc>
                   <a:txBody>
@@ -4053,41 +4364,74 @@
                       </a:r>
                     </a:p>
                   </a:txBody>
-                  <a:tcPr/>
-                </a:tc>
-                <a:tc>
-                  <a:txBody>
-                    <a:bodyPr tIns="18288" bIns="18288" lIns="45720" rIns="45720"/>
-                    <a:lstStyle/>
-                    <a:p>
-                      <a:pPr>
-                        <a:defRPr sz="700">
-                          <a:latin typeface="Arial Narrow"/>
-                        </a:defRPr>
-                      </a:pPr>
-                      <a:r>
-                        <a:t>-13.1589539999999996, 27.1364882999999999</a:t>
-                      </a:r>
-                    </a:p>
-                  </a:txBody>
-                  <a:tcPr/>
-                </a:tc>
-                <a:tc>
-                  <a:txBody>
-                    <a:bodyPr tIns="18288" bIns="18288" lIns="45720" rIns="45720"/>
-                    <a:lstStyle/>
-                    <a:p>
-                      <a:pPr>
-                        <a:defRPr sz="700">
-                          <a:latin typeface="Arial Narrow"/>
-                        </a:defRPr>
-                      </a:pPr>
-                      <a:r>
-                        <a:t>27.13610000, -13.17920000</a:t>
-                      </a:r>
-                    </a:p>
-                  </a:txBody>
-                  <a:tcPr/>
+                  <a:tcPr>
+                    <a:solidFill>
+                      <a:srgbClr val="FFFFFF"/>
+                    </a:solidFill>
+                  </a:tcPr>
+                </a:tc>
+                <a:tc>
+                  <a:txBody>
+                    <a:bodyPr tIns="18288" bIns="18288" lIns="45720" rIns="45720"/>
+                    <a:lstStyle/>
+                    <a:p>
+                      <a:pPr>
+                        <a:defRPr sz="700">
+                          <a:latin typeface="Arial Narrow"/>
+                        </a:defRPr>
+                      </a:pPr>
+                      <a:r>
+                        <a:t>THTZH6</a:t>
+                      </a:r>
+                    </a:p>
+                  </a:txBody>
+                  <a:tcPr>
+                    <a:solidFill>
+                      <a:srgbClr val="FFFFFF"/>
+                    </a:solidFill>
+                  </a:tcPr>
+                </a:tc>
+                <a:tc>
+                  <a:txBody>
+                    <a:bodyPr tIns="18288" bIns="18288" lIns="45720" rIns="45720"/>
+                    <a:lstStyle/>
+                    <a:p>
+                      <a:pPr>
+                        <a:defRPr sz="700">
+                          <a:latin typeface="Arial Narrow"/>
+                        </a:defRPr>
+                      </a:pPr>
+                      <a:r>
+                        <a:t>-13.15895, 27.13649</a:t>
+                      </a:r>
+                    </a:p>
+                  </a:txBody>
+                  <a:tcPr>
+                    <a:solidFill>
+                      <a:srgbClr val="FFFFFF"/>
+                    </a:solidFill>
+                  </a:tcPr>
+                </a:tc>
+                <a:tc>
+                  <a:txBody>
+                    <a:bodyPr tIns="18288" bIns="18288" lIns="45720" rIns="45720"/>
+                    <a:lstStyle/>
+                    <a:p>
+                      <a:pPr>
+                        <a:defRPr sz="700">
+                          <a:latin typeface="Arial Narrow"/>
+                        </a:defRPr>
+                      </a:pPr>
+                      <a:r>
+                        <a:t>27.13610, -13.17920</a:t>
+                      </a:r>
+                    </a:p>
+                  </a:txBody>
+                  <a:tcPr>
+                    <a:solidFill>
+                      <a:srgbClr val="FFFFFF"/>
+                    </a:solidFill>
+                  </a:tcPr>
                 </a:tc>
               </a:tr>
               <a:tr h="18000">
@@ -4108,7 +4452,7 @@
                   </a:txBody>
                   <a:tcPr>
                     <a:solidFill>
-                      <a:srgbClr val="F2F2F2"/>
+                      <a:srgbClr val="FFD4B9"/>
                     </a:solidFill>
                   </a:tcPr>
                 </a:tc>
@@ -4129,7 +4473,7 @@
                   </a:txBody>
                   <a:tcPr>
                     <a:solidFill>
-                      <a:srgbClr val="F2F2F2"/>
+                      <a:srgbClr val="FFD4B9"/>
                     </a:solidFill>
                   </a:tcPr>
                 </a:tc>
@@ -4150,7 +4494,28 @@
                   </a:txBody>
                   <a:tcPr>
                     <a:solidFill>
-                      <a:srgbClr val="F2F2F2"/>
+                      <a:srgbClr val="FFD4B9"/>
+                    </a:solidFill>
+                  </a:tcPr>
+                </a:tc>
+                <a:tc>
+                  <a:txBody>
+                    <a:bodyPr tIns="18288" bIns="18288" lIns="45720" rIns="45720"/>
+                    <a:lstStyle/>
+                    <a:p>
+                      <a:pPr>
+                        <a:defRPr sz="700">
+                          <a:latin typeface="Arial Narrow"/>
+                        </a:defRPr>
+                      </a:pPr>
+                      <a:r>
+                        <a:t>YJ</a:t>
+                      </a:r>
+                    </a:p>
+                  </a:txBody>
+                  <a:tcPr>
+                    <a:solidFill>
+                      <a:srgbClr val="FFD4B9"/>
                     </a:solidFill>
                   </a:tcPr>
                 </a:tc>
@@ -4171,7 +4536,7 @@
                   </a:txBody>
                   <a:tcPr>
                     <a:solidFill>
-                      <a:srgbClr val="F2F2F2"/>
+                      <a:srgbClr val="FFD4B9"/>
                     </a:solidFill>
                   </a:tcPr>
                 </a:tc>
@@ -4192,49 +4557,70 @@
                   </a:txBody>
                   <a:tcPr>
                     <a:solidFill>
-                      <a:srgbClr val="F2F2F2"/>
-                    </a:solidFill>
-                  </a:tcPr>
-                </a:tc>
-                <a:tc>
-                  <a:txBody>
-                    <a:bodyPr tIns="18288" bIns="18288" lIns="45720" rIns="45720"/>
-                    <a:lstStyle/>
-                    <a:p>
-                      <a:pPr>
-                        <a:defRPr sz="700">
-                          <a:latin typeface="Arial Narrow"/>
-                        </a:defRPr>
-                      </a:pPr>
-                      <a:r>
-                        <a:t>-13.15327779999999969, 27.13163889999999867</a:t>
-                      </a:r>
-                    </a:p>
-                  </a:txBody>
-                  <a:tcPr>
-                    <a:solidFill>
-                      <a:srgbClr val="F2F2F2"/>
-                    </a:solidFill>
-                  </a:tcPr>
-                </a:tc>
-                <a:tc>
-                  <a:txBody>
-                    <a:bodyPr tIns="18288" bIns="18288" lIns="45720" rIns="45720"/>
-                    <a:lstStyle/>
-                    <a:p>
-                      <a:pPr>
-                        <a:defRPr sz="700">
-                          <a:latin typeface="Arial Narrow"/>
-                        </a:defRPr>
-                      </a:pPr>
-                      <a:r>
-                        <a:t>27.13610000, -13.17920000</a:t>
-                      </a:r>
-                    </a:p>
-                  </a:txBody>
-                  <a:tcPr>
-                    <a:solidFill>
-                      <a:srgbClr val="F2F2F2"/>
+                      <a:srgbClr val="FFD4B9"/>
+                    </a:solidFill>
+                  </a:tcPr>
+                </a:tc>
+                <a:tc>
+                  <a:txBody>
+                    <a:bodyPr tIns="18288" bIns="18288" lIns="45720" rIns="45720"/>
+                    <a:lstStyle/>
+                    <a:p>
+                      <a:pPr>
+                        <a:defRPr sz="700">
+                          <a:latin typeface="Arial Narrow"/>
+                        </a:defRPr>
+                      </a:pPr>
+                      <a:r>
+                        <a:t>ERGHTH</a:t>
+                      </a:r>
+                    </a:p>
+                  </a:txBody>
+                  <a:tcPr>
+                    <a:solidFill>
+                      <a:srgbClr val="FFD4B9"/>
+                    </a:solidFill>
+                  </a:tcPr>
+                </a:tc>
+                <a:tc>
+                  <a:txBody>
+                    <a:bodyPr tIns="18288" bIns="18288" lIns="45720" rIns="45720"/>
+                    <a:lstStyle/>
+                    <a:p>
+                      <a:pPr>
+                        <a:defRPr sz="700">
+                          <a:latin typeface="Arial Narrow"/>
+                        </a:defRPr>
+                      </a:pPr>
+                      <a:r>
+                        <a:t>-13.15328, 27.13164</a:t>
+                      </a:r>
+                    </a:p>
+                  </a:txBody>
+                  <a:tcPr>
+                    <a:solidFill>
+                      <a:srgbClr val="FFD4B9"/>
+                    </a:solidFill>
+                  </a:tcPr>
+                </a:tc>
+                <a:tc>
+                  <a:txBody>
+                    <a:bodyPr tIns="18288" bIns="18288" lIns="45720" rIns="45720"/>
+                    <a:lstStyle/>
+                    <a:p>
+                      <a:pPr>
+                        <a:defRPr sz="700">
+                          <a:latin typeface="Arial Narrow"/>
+                        </a:defRPr>
+                      </a:pPr>
+                      <a:r>
+                        <a:t>27.13610, -13.17920</a:t>
+                      </a:r>
+                    </a:p>
+                  </a:txBody>
+                  <a:tcPr>
+                    <a:solidFill>
+                      <a:srgbClr val="FFD4B9"/>
                     </a:solidFill>
                   </a:tcPr>
                 </a:tc>
@@ -4255,7 +4641,11 @@
                       </a:r>
                     </a:p>
                   </a:txBody>
-                  <a:tcPr/>
+                  <a:tcPr>
+                    <a:solidFill>
+                      <a:srgbClr val="FFFFFF"/>
+                    </a:solidFill>
+                  </a:tcPr>
                 </a:tc>
                 <a:tc>
                   <a:txBody>
@@ -4272,7 +4662,11 @@
                       </a:r>
                     </a:p>
                   </a:txBody>
-                  <a:tcPr/>
+                  <a:tcPr>
+                    <a:solidFill>
+                      <a:srgbClr val="FFFFFF"/>
+                    </a:solidFill>
+                  </a:tcPr>
                 </a:tc>
                 <a:tc>
                   <a:txBody>
@@ -4289,7 +4683,32 @@
                       </a:r>
                     </a:p>
                   </a:txBody>
-                  <a:tcPr/>
+                  <a:tcPr>
+                    <a:solidFill>
+                      <a:srgbClr val="FFFFFF"/>
+                    </a:solidFill>
+                  </a:tcPr>
+                </a:tc>
+                <a:tc>
+                  <a:txBody>
+                    <a:bodyPr tIns="18288" bIns="18288" lIns="45720" rIns="45720"/>
+                    <a:lstStyle/>
+                    <a:p>
+                      <a:pPr>
+                        <a:defRPr sz="700">
+                          <a:latin typeface="Arial Narrow"/>
+                        </a:defRPr>
+                      </a:pPr>
+                      <a:r>
+                        <a:t>TTHTR</a:t>
+                      </a:r>
+                    </a:p>
+                  </a:txBody>
+                  <a:tcPr>
+                    <a:solidFill>
+                      <a:srgbClr val="FFFFFF"/>
+                    </a:solidFill>
+                  </a:tcPr>
                 </a:tc>
                 <a:tc>
                   <a:txBody>
@@ -4306,7 +4725,11 @@
                       </a:r>
                     </a:p>
                   </a:txBody>
-                  <a:tcPr/>
+                  <a:tcPr>
+                    <a:solidFill>
+                      <a:srgbClr val="FFFFFF"/>
+                    </a:solidFill>
+                  </a:tcPr>
                 </a:tc>
                 <a:tc>
                   <a:txBody>
@@ -4323,41 +4746,74 @@
                       </a:r>
                     </a:p>
                   </a:txBody>
-                  <a:tcPr/>
-                </a:tc>
-                <a:tc>
-                  <a:txBody>
-                    <a:bodyPr tIns="18288" bIns="18288" lIns="45720" rIns="45720"/>
-                    <a:lstStyle/>
-                    <a:p>
-                      <a:pPr>
-                        <a:defRPr sz="700">
-                          <a:latin typeface="Arial Narrow"/>
-                        </a:defRPr>
-                      </a:pPr>
-                      <a:r>
-                        <a:t>-13.17022219999999955, 27.13263889999999989</a:t>
-                      </a:r>
-                    </a:p>
-                  </a:txBody>
-                  <a:tcPr/>
-                </a:tc>
-                <a:tc>
-                  <a:txBody>
-                    <a:bodyPr tIns="18288" bIns="18288" lIns="45720" rIns="45720"/>
-                    <a:lstStyle/>
-                    <a:p>
-                      <a:pPr>
-                        <a:defRPr sz="700">
-                          <a:latin typeface="Arial Narrow"/>
-                        </a:defRPr>
-                      </a:pPr>
-                      <a:r>
-                        <a:t>27.13610000, -13.17920000</a:t>
-                      </a:r>
-                    </a:p>
-                  </a:txBody>
-                  <a:tcPr/>
+                  <a:tcPr>
+                    <a:solidFill>
+                      <a:srgbClr val="FFFFFF"/>
+                    </a:solidFill>
+                  </a:tcPr>
+                </a:tc>
+                <a:tc>
+                  <a:txBody>
+                    <a:bodyPr tIns="18288" bIns="18288" lIns="45720" rIns="45720"/>
+                    <a:lstStyle/>
+                    <a:p>
+                      <a:pPr>
+                        <a:defRPr sz="700">
+                          <a:latin typeface="Arial Narrow"/>
+                        </a:defRPr>
+                      </a:pPr>
+                      <a:r>
+                        <a:t>SD</a:t>
+                      </a:r>
+                    </a:p>
+                  </a:txBody>
+                  <a:tcPr>
+                    <a:solidFill>
+                      <a:srgbClr val="FFFFFF"/>
+                    </a:solidFill>
+                  </a:tcPr>
+                </a:tc>
+                <a:tc>
+                  <a:txBody>
+                    <a:bodyPr tIns="18288" bIns="18288" lIns="45720" rIns="45720"/>
+                    <a:lstStyle/>
+                    <a:p>
+                      <a:pPr>
+                        <a:defRPr sz="700">
+                          <a:latin typeface="Arial Narrow"/>
+                        </a:defRPr>
+                      </a:pPr>
+                      <a:r>
+                        <a:t>-13.17022, 27.13264</a:t>
+                      </a:r>
+                    </a:p>
+                  </a:txBody>
+                  <a:tcPr>
+                    <a:solidFill>
+                      <a:srgbClr val="FFFFFF"/>
+                    </a:solidFill>
+                  </a:tcPr>
+                </a:tc>
+                <a:tc>
+                  <a:txBody>
+                    <a:bodyPr tIns="18288" bIns="18288" lIns="45720" rIns="45720"/>
+                    <a:lstStyle/>
+                    <a:p>
+                      <a:pPr>
+                        <a:defRPr sz="700">
+                          <a:latin typeface="Arial Narrow"/>
+                        </a:defRPr>
+                      </a:pPr>
+                      <a:r>
+                        <a:t>27.13610, -13.17920</a:t>
+                      </a:r>
+                    </a:p>
+                  </a:txBody>
+                  <a:tcPr>
+                    <a:solidFill>
+                      <a:srgbClr val="FFFFFF"/>
+                    </a:solidFill>
+                  </a:tcPr>
                 </a:tc>
               </a:tr>
               <a:tr h="18000">
@@ -4378,7 +4834,7 @@
                   </a:txBody>
                   <a:tcPr>
                     <a:solidFill>
-                      <a:srgbClr val="F2F2F2"/>
+                      <a:srgbClr val="FFD4B9"/>
                     </a:solidFill>
                   </a:tcPr>
                 </a:tc>
@@ -4399,7 +4855,7 @@
                   </a:txBody>
                   <a:tcPr>
                     <a:solidFill>
-                      <a:srgbClr val="F2F2F2"/>
+                      <a:srgbClr val="FFD4B9"/>
                     </a:solidFill>
                   </a:tcPr>
                 </a:tc>
@@ -4420,7 +4876,28 @@
                   </a:txBody>
                   <a:tcPr>
                     <a:solidFill>
-                      <a:srgbClr val="F2F2F2"/>
+                      <a:srgbClr val="FFD4B9"/>
+                    </a:solidFill>
+                  </a:tcPr>
+                </a:tc>
+                <a:tc>
+                  <a:txBody>
+                    <a:bodyPr tIns="18288" bIns="18288" lIns="45720" rIns="45720"/>
+                    <a:lstStyle/>
+                    <a:p>
+                      <a:pPr>
+                        <a:defRPr sz="700">
+                          <a:latin typeface="Arial Narrow"/>
+                        </a:defRPr>
+                      </a:pPr>
+                      <a:r>
+                        <a:t>RGZTHTH</a:t>
+                      </a:r>
+                    </a:p>
+                  </a:txBody>
+                  <a:tcPr>
+                    <a:solidFill>
+                      <a:srgbClr val="FFD4B9"/>
                     </a:solidFill>
                   </a:tcPr>
                 </a:tc>
@@ -4441,7 +4918,7 @@
                   </a:txBody>
                   <a:tcPr>
                     <a:solidFill>
-                      <a:srgbClr val="F2F2F2"/>
+                      <a:srgbClr val="FFD4B9"/>
                     </a:solidFill>
                   </a:tcPr>
                 </a:tc>
@@ -4462,49 +4939,70 @@
                   </a:txBody>
                   <a:tcPr>
                     <a:solidFill>
-                      <a:srgbClr val="F2F2F2"/>
-                    </a:solidFill>
-                  </a:tcPr>
-                </a:tc>
-                <a:tc>
-                  <a:txBody>
-                    <a:bodyPr tIns="18288" bIns="18288" lIns="45720" rIns="45720"/>
-                    <a:lstStyle/>
-                    <a:p>
-                      <a:pPr>
-                        <a:defRPr sz="700">
-                          <a:latin typeface="Arial Narrow"/>
-                        </a:defRPr>
-                      </a:pPr>
-                      <a:r>
-                        <a:t>-13.1750279999999993, 27.13258300000000034</a:t>
-                      </a:r>
-                    </a:p>
-                  </a:txBody>
-                  <a:tcPr>
-                    <a:solidFill>
-                      <a:srgbClr val="F2F2F2"/>
-                    </a:solidFill>
-                  </a:tcPr>
-                </a:tc>
-                <a:tc>
-                  <a:txBody>
-                    <a:bodyPr tIns="18288" bIns="18288" lIns="45720" rIns="45720"/>
-                    <a:lstStyle/>
-                    <a:p>
-                      <a:pPr>
-                        <a:defRPr sz="700">
-                          <a:latin typeface="Arial Narrow"/>
-                        </a:defRPr>
-                      </a:pPr>
-                      <a:r>
-                        <a:t>27.13610000, -13.17920000</a:t>
-                      </a:r>
-                    </a:p>
-                  </a:txBody>
-                  <a:tcPr>
-                    <a:solidFill>
-                      <a:srgbClr val="F2F2F2"/>
+                      <a:srgbClr val="FFD4B9"/>
+                    </a:solidFill>
+                  </a:tcPr>
+                </a:tc>
+                <a:tc>
+                  <a:txBody>
+                    <a:bodyPr tIns="18288" bIns="18288" lIns="45720" rIns="45720"/>
+                    <a:lstStyle/>
+                    <a:p>
+                      <a:pPr>
+                        <a:defRPr sz="700">
+                          <a:latin typeface="Arial Narrow"/>
+                        </a:defRPr>
+                      </a:pPr>
+                      <a:r>
+                        <a:t>SDZFZ</a:t>
+                      </a:r>
+                    </a:p>
+                  </a:txBody>
+                  <a:tcPr>
+                    <a:solidFill>
+                      <a:srgbClr val="FFD4B9"/>
+                    </a:solidFill>
+                  </a:tcPr>
+                </a:tc>
+                <a:tc>
+                  <a:txBody>
+                    <a:bodyPr tIns="18288" bIns="18288" lIns="45720" rIns="45720"/>
+                    <a:lstStyle/>
+                    <a:p>
+                      <a:pPr>
+                        <a:defRPr sz="700">
+                          <a:latin typeface="Arial Narrow"/>
+                        </a:defRPr>
+                      </a:pPr>
+                      <a:r>
+                        <a:t>-13.17503, 27.13258</a:t>
+                      </a:r>
+                    </a:p>
+                  </a:txBody>
+                  <a:tcPr>
+                    <a:solidFill>
+                      <a:srgbClr val="FFD4B9"/>
+                    </a:solidFill>
+                  </a:tcPr>
+                </a:tc>
+                <a:tc>
+                  <a:txBody>
+                    <a:bodyPr tIns="18288" bIns="18288" lIns="45720" rIns="45720"/>
+                    <a:lstStyle/>
+                    <a:p>
+                      <a:pPr>
+                        <a:defRPr sz="700">
+                          <a:latin typeface="Arial Narrow"/>
+                        </a:defRPr>
+                      </a:pPr>
+                      <a:r>
+                        <a:t>27.13610, -13.17920</a:t>
+                      </a:r>
+                    </a:p>
+                  </a:txBody>
+                  <a:tcPr>
+                    <a:solidFill>
+                      <a:srgbClr val="FFD4B9"/>
                     </a:solidFill>
                   </a:tcPr>
                 </a:tc>
@@ -4525,7 +5023,11 @@
                       </a:r>
                     </a:p>
                   </a:txBody>
-                  <a:tcPr/>
+                  <a:tcPr>
+                    <a:solidFill>
+                      <a:srgbClr val="FFFFFF"/>
+                    </a:solidFill>
+                  </a:tcPr>
                 </a:tc>
                 <a:tc>
                   <a:txBody>
@@ -4542,7 +5044,11 @@
                       </a:r>
                     </a:p>
                   </a:txBody>
-                  <a:tcPr/>
+                  <a:tcPr>
+                    <a:solidFill>
+                      <a:srgbClr val="FFFFFF"/>
+                    </a:solidFill>
+                  </a:tcPr>
                 </a:tc>
                 <a:tc>
                   <a:txBody>
@@ -4559,7 +5065,32 @@
                       </a:r>
                     </a:p>
                   </a:txBody>
-                  <a:tcPr/>
+                  <a:tcPr>
+                    <a:solidFill>
+                      <a:srgbClr val="FFFFFF"/>
+                    </a:solidFill>
+                  </a:tcPr>
+                </a:tc>
+                <a:tc>
+                  <a:txBody>
+                    <a:bodyPr tIns="18288" bIns="18288" lIns="45720" rIns="45720"/>
+                    <a:lstStyle/>
+                    <a:p>
+                      <a:pPr>
+                        <a:defRPr sz="700">
+                          <a:latin typeface="Arial Narrow"/>
+                        </a:defRPr>
+                      </a:pPr>
+                      <a:r>
+                        <a:t>V</a:t>
+                      </a:r>
+                    </a:p>
+                  </a:txBody>
+                  <a:tcPr>
+                    <a:solidFill>
+                      <a:srgbClr val="FFFFFF"/>
+                    </a:solidFill>
+                  </a:tcPr>
                 </a:tc>
                 <a:tc>
                   <a:txBody>
@@ -4576,7 +5107,11 @@
                       </a:r>
                     </a:p>
                   </a:txBody>
-                  <a:tcPr/>
+                  <a:tcPr>
+                    <a:solidFill>
+                      <a:srgbClr val="FFFFFF"/>
+                    </a:solidFill>
+                  </a:tcPr>
                 </a:tc>
                 <a:tc>
                   <a:txBody>
@@ -4593,41 +5128,74 @@
                       </a:r>
                     </a:p>
                   </a:txBody>
-                  <a:tcPr/>
-                </a:tc>
-                <a:tc>
-                  <a:txBody>
-                    <a:bodyPr tIns="18288" bIns="18288" lIns="45720" rIns="45720"/>
-                    <a:lstStyle/>
-                    <a:p>
-                      <a:pPr>
-                        <a:defRPr sz="700">
-                          <a:latin typeface="Arial Narrow"/>
-                        </a:defRPr>
-                      </a:pPr>
-                      <a:r>
-                        <a:t>-13.18975589999999976, 27.15848490000000126</a:t>
-                      </a:r>
-                    </a:p>
-                  </a:txBody>
-                  <a:tcPr/>
-                </a:tc>
-                <a:tc>
-                  <a:txBody>
-                    <a:bodyPr tIns="18288" bIns="18288" lIns="45720" rIns="45720"/>
-                    <a:lstStyle/>
-                    <a:p>
-                      <a:pPr>
-                        <a:defRPr sz="700">
-                          <a:latin typeface="Arial Narrow"/>
-                        </a:defRPr>
-                      </a:pPr>
-                      <a:r>
-                        <a:t>27.15796708, -13.20530034</a:t>
-                      </a:r>
-                    </a:p>
-                  </a:txBody>
-                  <a:tcPr/>
+                  <a:tcPr>
+                    <a:solidFill>
+                      <a:srgbClr val="FFFFFF"/>
+                    </a:solidFill>
+                  </a:tcPr>
+                </a:tc>
+                <a:tc>
+                  <a:txBody>
+                    <a:bodyPr tIns="18288" bIns="18288" lIns="45720" rIns="45720"/>
+                    <a:lstStyle/>
+                    <a:p>
+                      <a:pPr>
+                        <a:defRPr sz="700">
+                          <a:latin typeface="Arial Narrow"/>
+                        </a:defRPr>
+                      </a:pPr>
+                      <a:r>
+                        <a:t>YTK</a:t>
+                      </a:r>
+                    </a:p>
+                  </a:txBody>
+                  <a:tcPr>
+                    <a:solidFill>
+                      <a:srgbClr val="FFFFFF"/>
+                    </a:solidFill>
+                  </a:tcPr>
+                </a:tc>
+                <a:tc>
+                  <a:txBody>
+                    <a:bodyPr tIns="18288" bIns="18288" lIns="45720" rIns="45720"/>
+                    <a:lstStyle/>
+                    <a:p>
+                      <a:pPr>
+                        <a:defRPr sz="700">
+                          <a:latin typeface="Arial Narrow"/>
+                        </a:defRPr>
+                      </a:pPr>
+                      <a:r>
+                        <a:t>-13.18976, 27.15848</a:t>
+                      </a:r>
+                    </a:p>
+                  </a:txBody>
+                  <a:tcPr>
+                    <a:solidFill>
+                      <a:srgbClr val="FFFFFF"/>
+                    </a:solidFill>
+                  </a:tcPr>
+                </a:tc>
+                <a:tc>
+                  <a:txBody>
+                    <a:bodyPr tIns="18288" bIns="18288" lIns="45720" rIns="45720"/>
+                    <a:lstStyle/>
+                    <a:p>
+                      <a:pPr>
+                        <a:defRPr sz="700">
+                          <a:latin typeface="Arial Narrow"/>
+                        </a:defRPr>
+                      </a:pPr>
+                      <a:r>
+                        <a:t>27.15797, -13.20530</a:t>
+                      </a:r>
+                    </a:p>
+                  </a:txBody>
+                  <a:tcPr>
+                    <a:solidFill>
+                      <a:srgbClr val="FFFFFF"/>
+                    </a:solidFill>
+                  </a:tcPr>
                 </a:tc>
               </a:tr>
               <a:tr h="18000">
@@ -4648,7 +5216,7 @@
                   </a:txBody>
                   <a:tcPr>
                     <a:solidFill>
-                      <a:srgbClr val="F2F2F2"/>
+                      <a:srgbClr val="FFD4B9"/>
                     </a:solidFill>
                   </a:tcPr>
                 </a:tc>
@@ -4669,7 +5237,7 @@
                   </a:txBody>
                   <a:tcPr>
                     <a:solidFill>
-                      <a:srgbClr val="F2F2F2"/>
+                      <a:srgbClr val="FFD4B9"/>
                     </a:solidFill>
                   </a:tcPr>
                 </a:tc>
@@ -4690,7 +5258,25 @@
                   </a:txBody>
                   <a:tcPr>
                     <a:solidFill>
-                      <a:srgbClr val="F2F2F2"/>
+                      <a:srgbClr val="FFD4B9"/>
+                    </a:solidFill>
+                  </a:tcPr>
+                </a:tc>
+                <a:tc>
+                  <a:txBody>
+                    <a:bodyPr tIns="18288" bIns="18288" lIns="45720" rIns="45720"/>
+                    <a:lstStyle/>
+                    <a:p>
+                      <a:pPr>
+                        <a:defRPr sz="700">
+                          <a:latin typeface="Arial Narrow"/>
+                        </a:defRPr>
+                      </a:pPr>
+                    </a:p>
+                  </a:txBody>
+                  <a:tcPr>
+                    <a:solidFill>
+                      <a:srgbClr val="FFD4B9"/>
                     </a:solidFill>
                   </a:tcPr>
                 </a:tc>
@@ -4711,7 +5297,7 @@
                   </a:txBody>
                   <a:tcPr>
                     <a:solidFill>
-                      <a:srgbClr val="F2F2F2"/>
+                      <a:srgbClr val="FFD4B9"/>
                     </a:solidFill>
                   </a:tcPr>
                 </a:tc>
@@ -4732,49 +5318,67 @@
                   </a:txBody>
                   <a:tcPr>
                     <a:solidFill>
-                      <a:srgbClr val="F2F2F2"/>
-                    </a:solidFill>
-                  </a:tcPr>
-                </a:tc>
-                <a:tc>
-                  <a:txBody>
-                    <a:bodyPr tIns="18288" bIns="18288" lIns="45720" rIns="45720"/>
-                    <a:lstStyle/>
-                    <a:p>
-                      <a:pPr>
-                        <a:defRPr sz="700">
-                          <a:latin typeface="Arial Narrow"/>
-                        </a:defRPr>
-                      </a:pPr>
-                      <a:r>
-                        <a:t>-13.20315599999999989, 27.15188450000000131</a:t>
-                      </a:r>
-                    </a:p>
-                  </a:txBody>
-                  <a:tcPr>
-                    <a:solidFill>
-                      <a:srgbClr val="F2F2F2"/>
-                    </a:solidFill>
-                  </a:tcPr>
-                </a:tc>
-                <a:tc>
-                  <a:txBody>
-                    <a:bodyPr tIns="18288" bIns="18288" lIns="45720" rIns="45720"/>
-                    <a:lstStyle/>
-                    <a:p>
-                      <a:pPr>
-                        <a:defRPr sz="700">
-                          <a:latin typeface="Arial Narrow"/>
-                        </a:defRPr>
-                      </a:pPr>
-                      <a:r>
-                        <a:t>27.14815636, -13.19937032</a:t>
-                      </a:r>
-                    </a:p>
-                  </a:txBody>
-                  <a:tcPr>
-                    <a:solidFill>
-                      <a:srgbClr val="F2F2F2"/>
+                      <a:srgbClr val="FFD4B9"/>
+                    </a:solidFill>
+                  </a:tcPr>
+                </a:tc>
+                <a:tc>
+                  <a:txBody>
+                    <a:bodyPr tIns="18288" bIns="18288" lIns="45720" rIns="45720"/>
+                    <a:lstStyle/>
+                    <a:p>
+                      <a:pPr>
+                        <a:defRPr sz="700">
+                          <a:latin typeface="Arial Narrow"/>
+                        </a:defRPr>
+                      </a:pPr>
+                    </a:p>
+                  </a:txBody>
+                  <a:tcPr>
+                    <a:solidFill>
+                      <a:srgbClr val="FFD4B9"/>
+                    </a:solidFill>
+                  </a:tcPr>
+                </a:tc>
+                <a:tc>
+                  <a:txBody>
+                    <a:bodyPr tIns="18288" bIns="18288" lIns="45720" rIns="45720"/>
+                    <a:lstStyle/>
+                    <a:p>
+                      <a:pPr>
+                        <a:defRPr sz="700">
+                          <a:latin typeface="Arial Narrow"/>
+                        </a:defRPr>
+                      </a:pPr>
+                      <a:r>
+                        <a:t>-13.20316, 27.15188</a:t>
+                      </a:r>
+                    </a:p>
+                  </a:txBody>
+                  <a:tcPr>
+                    <a:solidFill>
+                      <a:srgbClr val="FFD4B9"/>
+                    </a:solidFill>
+                  </a:tcPr>
+                </a:tc>
+                <a:tc>
+                  <a:txBody>
+                    <a:bodyPr tIns="18288" bIns="18288" lIns="45720" rIns="45720"/>
+                    <a:lstStyle/>
+                    <a:p>
+                      <a:pPr>
+                        <a:defRPr sz="700">
+                          <a:latin typeface="Arial Narrow"/>
+                        </a:defRPr>
+                      </a:pPr>
+                      <a:r>
+                        <a:t>27.14816, -13.19937</a:t>
+                      </a:r>
+                    </a:p>
+                  </a:txBody>
+                  <a:tcPr>
+                    <a:solidFill>
+                      <a:srgbClr val="FFD4B9"/>
                     </a:solidFill>
                   </a:tcPr>
                 </a:tc>
@@ -4795,7 +5399,11 @@
                       </a:r>
                     </a:p>
                   </a:txBody>
-                  <a:tcPr/>
+                  <a:tcPr>
+                    <a:solidFill>
+                      <a:srgbClr val="FFFFFF"/>
+                    </a:solidFill>
+                  </a:tcPr>
                 </a:tc>
                 <a:tc>
                   <a:txBody>
@@ -4812,7 +5420,11 @@
                       </a:r>
                     </a:p>
                   </a:txBody>
-                  <a:tcPr/>
+                  <a:tcPr>
+                    <a:solidFill>
+                      <a:srgbClr val="FFFFFF"/>
+                    </a:solidFill>
+                  </a:tcPr>
                 </a:tc>
                 <a:tc>
                   <a:txBody>
@@ -4829,7 +5441,29 @@
                       </a:r>
                     </a:p>
                   </a:txBody>
-                  <a:tcPr/>
+                  <a:tcPr>
+                    <a:solidFill>
+                      <a:srgbClr val="FFFFFF"/>
+                    </a:solidFill>
+                  </a:tcPr>
+                </a:tc>
+                <a:tc>
+                  <a:txBody>
+                    <a:bodyPr tIns="18288" bIns="18288" lIns="45720" rIns="45720"/>
+                    <a:lstStyle/>
+                    <a:p>
+                      <a:pPr>
+                        <a:defRPr sz="700">
+                          <a:latin typeface="Arial Narrow"/>
+                        </a:defRPr>
+                      </a:pPr>
+                    </a:p>
+                  </a:txBody>
+                  <a:tcPr>
+                    <a:solidFill>
+                      <a:srgbClr val="FFFFFF"/>
+                    </a:solidFill>
+                  </a:tcPr>
                 </a:tc>
                 <a:tc>
                   <a:txBody>
@@ -4846,7 +5480,11 @@
                       </a:r>
                     </a:p>
                   </a:txBody>
-                  <a:tcPr/>
+                  <a:tcPr>
+                    <a:solidFill>
+                      <a:srgbClr val="FFFFFF"/>
+                    </a:solidFill>
+                  </a:tcPr>
                 </a:tc>
                 <a:tc>
                   <a:txBody>
@@ -4863,41 +5501,71 @@
                       </a:r>
                     </a:p>
                   </a:txBody>
-                  <a:tcPr/>
-                </a:tc>
-                <a:tc>
-                  <a:txBody>
-                    <a:bodyPr tIns="18288" bIns="18288" lIns="45720" rIns="45720"/>
-                    <a:lstStyle/>
-                    <a:p>
-                      <a:pPr>
-                        <a:defRPr sz="700">
-                          <a:latin typeface="Arial Narrow"/>
-                        </a:defRPr>
-                      </a:pPr>
-                      <a:r>
-                        <a:t>-13.1967333, 27.14158330000000063</a:t>
-                      </a:r>
-                    </a:p>
-                  </a:txBody>
-                  <a:tcPr/>
-                </a:tc>
-                <a:tc>
-                  <a:txBody>
-                    <a:bodyPr tIns="18288" bIns="18288" lIns="45720" rIns="45720"/>
-                    <a:lstStyle/>
-                    <a:p>
-                      <a:pPr>
-                        <a:defRPr sz="700">
-                          <a:latin typeface="Arial Narrow"/>
-                        </a:defRPr>
-                      </a:pPr>
-                      <a:r>
-                        <a:t>27.13920547, -13.19974476</a:t>
-                      </a:r>
-                    </a:p>
-                  </a:txBody>
-                  <a:tcPr/>
+                  <a:tcPr>
+                    <a:solidFill>
+                      <a:srgbClr val="FFFFFF"/>
+                    </a:solidFill>
+                  </a:tcPr>
+                </a:tc>
+                <a:tc>
+                  <a:txBody>
+                    <a:bodyPr tIns="18288" bIns="18288" lIns="45720" rIns="45720"/>
+                    <a:lstStyle/>
+                    <a:p>
+                      <a:pPr>
+                        <a:defRPr sz="700">
+                          <a:latin typeface="Arial Narrow"/>
+                        </a:defRPr>
+                      </a:pPr>
+                    </a:p>
+                  </a:txBody>
+                  <a:tcPr>
+                    <a:solidFill>
+                      <a:srgbClr val="FFFFFF"/>
+                    </a:solidFill>
+                  </a:tcPr>
+                </a:tc>
+                <a:tc>
+                  <a:txBody>
+                    <a:bodyPr tIns="18288" bIns="18288" lIns="45720" rIns="45720"/>
+                    <a:lstStyle/>
+                    <a:p>
+                      <a:pPr>
+                        <a:defRPr sz="700">
+                          <a:latin typeface="Arial Narrow"/>
+                        </a:defRPr>
+                      </a:pPr>
+                      <a:r>
+                        <a:t>-13.19673, 27.14158</a:t>
+                      </a:r>
+                    </a:p>
+                  </a:txBody>
+                  <a:tcPr>
+                    <a:solidFill>
+                      <a:srgbClr val="FFFFFF"/>
+                    </a:solidFill>
+                  </a:tcPr>
+                </a:tc>
+                <a:tc>
+                  <a:txBody>
+                    <a:bodyPr tIns="18288" bIns="18288" lIns="45720" rIns="45720"/>
+                    <a:lstStyle/>
+                    <a:p>
+                      <a:pPr>
+                        <a:defRPr sz="700">
+                          <a:latin typeface="Arial Narrow"/>
+                        </a:defRPr>
+                      </a:pPr>
+                      <a:r>
+                        <a:t>27.13921, -13.19974</a:t>
+                      </a:r>
+                    </a:p>
+                  </a:txBody>
+                  <a:tcPr>
+                    <a:solidFill>
+                      <a:srgbClr val="FFFFFF"/>
+                    </a:solidFill>
+                  </a:tcPr>
                 </a:tc>
               </a:tr>
               <a:tr h="18000">
@@ -4918,7 +5586,7 @@
                   </a:txBody>
                   <a:tcPr>
                     <a:solidFill>
-                      <a:srgbClr val="F2F2F2"/>
+                      <a:srgbClr val="FFD4B9"/>
                     </a:solidFill>
                   </a:tcPr>
                 </a:tc>
@@ -4939,7 +5607,7 @@
                   </a:txBody>
                   <a:tcPr>
                     <a:solidFill>
-                      <a:srgbClr val="F2F2F2"/>
+                      <a:srgbClr val="FFD4B9"/>
                     </a:solidFill>
                   </a:tcPr>
                 </a:tc>
@@ -4960,7 +5628,28 @@
                   </a:txBody>
                   <a:tcPr>
                     <a:solidFill>
-                      <a:srgbClr val="F2F2F2"/>
+                      <a:srgbClr val="FFD4B9"/>
+                    </a:solidFill>
+                  </a:tcPr>
+                </a:tc>
+                <a:tc>
+                  <a:txBody>
+                    <a:bodyPr tIns="18288" bIns="18288" lIns="45720" rIns="45720"/>
+                    <a:lstStyle/>
+                    <a:p>
+                      <a:pPr>
+                        <a:defRPr sz="700">
+                          <a:latin typeface="Arial Narrow"/>
+                        </a:defRPr>
+                      </a:pPr>
+                      <a:r>
+                        <a:t>zd</a:t>
+                      </a:r>
+                    </a:p>
+                  </a:txBody>
+                  <a:tcPr>
+                    <a:solidFill>
+                      <a:srgbClr val="FFD4B9"/>
                     </a:solidFill>
                   </a:tcPr>
                 </a:tc>
@@ -4981,7 +5670,7 @@
                   </a:txBody>
                   <a:tcPr>
                     <a:solidFill>
-                      <a:srgbClr val="F2F2F2"/>
+                      <a:srgbClr val="FFD4B9"/>
                     </a:solidFill>
                   </a:tcPr>
                 </a:tc>
@@ -5002,49 +5691,70 @@
                   </a:txBody>
                   <a:tcPr>
                     <a:solidFill>
-                      <a:srgbClr val="F2F2F2"/>
-                    </a:solidFill>
-                  </a:tcPr>
-                </a:tc>
-                <a:tc>
-                  <a:txBody>
-                    <a:bodyPr tIns="18288" bIns="18288" lIns="45720" rIns="45720"/>
-                    <a:lstStyle/>
-                    <a:p>
-                      <a:pPr>
-                        <a:defRPr sz="700">
-                          <a:latin typeface="Arial Narrow"/>
-                        </a:defRPr>
-                      </a:pPr>
-                      <a:r>
-                        <a:t>-13.1772519999999993, 27.12702499999999972</a:t>
-                      </a:r>
-                    </a:p>
-                  </a:txBody>
-                  <a:tcPr>
-                    <a:solidFill>
-                      <a:srgbClr val="F2F2F2"/>
-                    </a:solidFill>
-                  </a:tcPr>
-                </a:tc>
-                <a:tc>
-                  <a:txBody>
-                    <a:bodyPr tIns="18288" bIns="18288" lIns="45720" rIns="45720"/>
-                    <a:lstStyle/>
-                    <a:p>
-                      <a:pPr>
-                        <a:defRPr sz="700">
-                          <a:latin typeface="Arial Narrow"/>
-                        </a:defRPr>
-                      </a:pPr>
-                      <a:r>
-                        <a:t>27.13873631, -13.19135810</a:t>
-                      </a:r>
-                    </a:p>
-                  </a:txBody>
-                  <a:tcPr>
-                    <a:solidFill>
-                      <a:srgbClr val="F2F2F2"/>
+                      <a:srgbClr val="FFD4B9"/>
+                    </a:solidFill>
+                  </a:tcPr>
+                </a:tc>
+                <a:tc>
+                  <a:txBody>
+                    <a:bodyPr tIns="18288" bIns="18288" lIns="45720" rIns="45720"/>
+                    <a:lstStyle/>
+                    <a:p>
+                      <a:pPr>
+                        <a:defRPr sz="700">
+                          <a:latin typeface="Arial Narrow"/>
+                        </a:defRPr>
+                      </a:pPr>
+                      <a:r>
+                        <a:t>FEZEF</a:t>
+                      </a:r>
+                    </a:p>
+                  </a:txBody>
+                  <a:tcPr>
+                    <a:solidFill>
+                      <a:srgbClr val="FFD4B9"/>
+                    </a:solidFill>
+                  </a:tcPr>
+                </a:tc>
+                <a:tc>
+                  <a:txBody>
+                    <a:bodyPr tIns="18288" bIns="18288" lIns="45720" rIns="45720"/>
+                    <a:lstStyle/>
+                    <a:p>
+                      <a:pPr>
+                        <a:defRPr sz="700">
+                          <a:latin typeface="Arial Narrow"/>
+                        </a:defRPr>
+                      </a:pPr>
+                      <a:r>
+                        <a:t>-13.17725, 27.12702</a:t>
+                      </a:r>
+                    </a:p>
+                  </a:txBody>
+                  <a:tcPr>
+                    <a:solidFill>
+                      <a:srgbClr val="FFD4B9"/>
+                    </a:solidFill>
+                  </a:tcPr>
+                </a:tc>
+                <a:tc>
+                  <a:txBody>
+                    <a:bodyPr tIns="18288" bIns="18288" lIns="45720" rIns="45720"/>
+                    <a:lstStyle/>
+                    <a:p>
+                      <a:pPr>
+                        <a:defRPr sz="700">
+                          <a:latin typeface="Arial Narrow"/>
+                        </a:defRPr>
+                      </a:pPr>
+                      <a:r>
+                        <a:t>27.13874, -13.19136</a:t>
+                      </a:r>
+                    </a:p>
+                  </a:txBody>
+                  <a:tcPr>
+                    <a:solidFill>
+                      <a:srgbClr val="FFD4B9"/>
                     </a:solidFill>
                   </a:tcPr>
                 </a:tc>
@@ -5065,7 +5775,11 @@
                       </a:r>
                     </a:p>
                   </a:txBody>
-                  <a:tcPr/>
+                  <a:tcPr>
+                    <a:solidFill>
+                      <a:srgbClr val="FFFFFF"/>
+                    </a:solidFill>
+                  </a:tcPr>
                 </a:tc>
                 <a:tc>
                   <a:txBody>
@@ -5082,7 +5796,11 @@
                       </a:r>
                     </a:p>
                   </a:txBody>
-                  <a:tcPr/>
+                  <a:tcPr>
+                    <a:solidFill>
+                      <a:srgbClr val="FFFFFF"/>
+                    </a:solidFill>
+                  </a:tcPr>
                 </a:tc>
                 <a:tc>
                   <a:txBody>
@@ -5099,7 +5817,32 @@
                       </a:r>
                     </a:p>
                   </a:txBody>
-                  <a:tcPr/>
+                  <a:tcPr>
+                    <a:solidFill>
+                      <a:srgbClr val="FFFFFF"/>
+                    </a:solidFill>
+                  </a:tcPr>
+                </a:tc>
+                <a:tc>
+                  <a:txBody>
+                    <a:bodyPr tIns="18288" bIns="18288" lIns="45720" rIns="45720"/>
+                    <a:lstStyle/>
+                    <a:p>
+                      <a:pPr>
+                        <a:defRPr sz="700">
+                          <a:latin typeface="Arial Narrow"/>
+                        </a:defRPr>
+                      </a:pPr>
+                      <a:r>
+                        <a:t>zdzdzd</a:t>
+                      </a:r>
+                    </a:p>
+                  </a:txBody>
+                  <a:tcPr>
+                    <a:solidFill>
+                      <a:srgbClr val="FFFFFF"/>
+                    </a:solidFill>
+                  </a:tcPr>
                 </a:tc>
                 <a:tc>
                   <a:txBody>
@@ -5116,7 +5859,11 @@
                       </a:r>
                     </a:p>
                   </a:txBody>
-                  <a:tcPr/>
+                  <a:tcPr>
+                    <a:solidFill>
+                      <a:srgbClr val="FFFFFF"/>
+                    </a:solidFill>
+                  </a:tcPr>
                 </a:tc>
                 <a:tc>
                   <a:txBody>
@@ -5133,41 +5880,74 @@
                       </a:r>
                     </a:p>
                   </a:txBody>
-                  <a:tcPr/>
-                </a:tc>
-                <a:tc>
-                  <a:txBody>
-                    <a:bodyPr tIns="18288" bIns="18288" lIns="45720" rIns="45720"/>
-                    <a:lstStyle/>
-                    <a:p>
-                      <a:pPr>
-                        <a:defRPr sz="700">
-                          <a:latin typeface="Arial Narrow"/>
-                        </a:defRPr>
-                      </a:pPr>
-                      <a:r>
-                        <a:t>-13.1825360000000007, 27.12980130000000045</a:t>
-                      </a:r>
-                    </a:p>
-                  </a:txBody>
-                  <a:tcPr/>
-                </a:tc>
-                <a:tc>
-                  <a:txBody>
-                    <a:bodyPr tIns="18288" bIns="18288" lIns="45720" rIns="45720"/>
-                    <a:lstStyle/>
-                    <a:p>
-                      <a:pPr>
-                        <a:defRPr sz="700">
-                          <a:latin typeface="Arial Narrow"/>
-                        </a:defRPr>
-                      </a:pPr>
-                      <a:r>
-                        <a:t>27.13873631, -13.19135810</a:t>
-                      </a:r>
-                    </a:p>
-                  </a:txBody>
-                  <a:tcPr/>
+                  <a:tcPr>
+                    <a:solidFill>
+                      <a:srgbClr val="FFFFFF"/>
+                    </a:solidFill>
+                  </a:tcPr>
+                </a:tc>
+                <a:tc>
+                  <a:txBody>
+                    <a:bodyPr tIns="18288" bIns="18288" lIns="45720" rIns="45720"/>
+                    <a:lstStyle/>
+                    <a:p>
+                      <a:pPr>
+                        <a:defRPr sz="700">
+                          <a:latin typeface="Arial Narrow"/>
+                        </a:defRPr>
+                      </a:pPr>
+                      <a:r>
+                        <a:t>FJFEZIFJEFN</a:t>
+                      </a:r>
+                    </a:p>
+                  </a:txBody>
+                  <a:tcPr>
+                    <a:solidFill>
+                      <a:srgbClr val="FFFFFF"/>
+                    </a:solidFill>
+                  </a:tcPr>
+                </a:tc>
+                <a:tc>
+                  <a:txBody>
+                    <a:bodyPr tIns="18288" bIns="18288" lIns="45720" rIns="45720"/>
+                    <a:lstStyle/>
+                    <a:p>
+                      <a:pPr>
+                        <a:defRPr sz="700">
+                          <a:latin typeface="Arial Narrow"/>
+                        </a:defRPr>
+                      </a:pPr>
+                      <a:r>
+                        <a:t>-13.18254, 27.12980</a:t>
+                      </a:r>
+                    </a:p>
+                  </a:txBody>
+                  <a:tcPr>
+                    <a:solidFill>
+                      <a:srgbClr val="FFFFFF"/>
+                    </a:solidFill>
+                  </a:tcPr>
+                </a:tc>
+                <a:tc>
+                  <a:txBody>
+                    <a:bodyPr tIns="18288" bIns="18288" lIns="45720" rIns="45720"/>
+                    <a:lstStyle/>
+                    <a:p>
+                      <a:pPr>
+                        <a:defRPr sz="700">
+                          <a:latin typeface="Arial Narrow"/>
+                        </a:defRPr>
+                      </a:pPr>
+                      <a:r>
+                        <a:t>27.13874, -13.19136</a:t>
+                      </a:r>
+                    </a:p>
+                  </a:txBody>
+                  <a:tcPr>
+                    <a:solidFill>
+                      <a:srgbClr val="FFFFFF"/>
+                    </a:solidFill>
+                  </a:tcPr>
                 </a:tc>
               </a:tr>
               <a:tr h="18000">
@@ -5188,7 +5968,7 @@
                   </a:txBody>
                   <a:tcPr>
                     <a:solidFill>
-                      <a:srgbClr val="F2F2F2"/>
+                      <a:srgbClr val="FFD4B9"/>
                     </a:solidFill>
                   </a:tcPr>
                 </a:tc>
@@ -5209,7 +5989,7 @@
                   </a:txBody>
                   <a:tcPr>
                     <a:solidFill>
-                      <a:srgbClr val="F2F2F2"/>
+                      <a:srgbClr val="FFD4B9"/>
                     </a:solidFill>
                   </a:tcPr>
                 </a:tc>
@@ -5230,7 +6010,28 @@
                   </a:txBody>
                   <a:tcPr>
                     <a:solidFill>
-                      <a:srgbClr val="F2F2F2"/>
+                      <a:srgbClr val="FFD4B9"/>
+                    </a:solidFill>
+                  </a:tcPr>
+                </a:tc>
+                <a:tc>
+                  <a:txBody>
+                    <a:bodyPr tIns="18288" bIns="18288" lIns="45720" rIns="45720"/>
+                    <a:lstStyle/>
+                    <a:p>
+                      <a:pPr>
+                        <a:defRPr sz="700">
+                          <a:latin typeface="Arial Narrow"/>
+                        </a:defRPr>
+                      </a:pPr>
+                      <a:r>
+                        <a:t>efefezfezfez</a:t>
+                      </a:r>
+                    </a:p>
+                  </a:txBody>
+                  <a:tcPr>
+                    <a:solidFill>
+                      <a:srgbClr val="FFD4B9"/>
                     </a:solidFill>
                   </a:tcPr>
                 </a:tc>
@@ -5251,7 +6052,7 @@
                   </a:txBody>
                   <a:tcPr>
                     <a:solidFill>
-                      <a:srgbClr val="F2F2F2"/>
+                      <a:srgbClr val="FFD4B9"/>
                     </a:solidFill>
                   </a:tcPr>
                 </a:tc>
@@ -5272,49 +6073,70 @@
                   </a:txBody>
                   <a:tcPr>
                     <a:solidFill>
-                      <a:srgbClr val="F2F2F2"/>
-                    </a:solidFill>
-                  </a:tcPr>
-                </a:tc>
-                <a:tc>
-                  <a:txBody>
-                    <a:bodyPr tIns="18288" bIns="18288" lIns="45720" rIns="45720"/>
-                    <a:lstStyle/>
-                    <a:p>
-                      <a:pPr>
-                        <a:defRPr sz="700">
-                          <a:latin typeface="Arial Narrow"/>
-                        </a:defRPr>
-                      </a:pPr>
-                      <a:r>
-                        <a:t>-13.18643699999999974, 27.12888200000000083</a:t>
-                      </a:r>
-                    </a:p>
-                  </a:txBody>
-                  <a:tcPr>
-                    <a:solidFill>
-                      <a:srgbClr val="F2F2F2"/>
-                    </a:solidFill>
-                  </a:tcPr>
-                </a:tc>
-                <a:tc>
-                  <a:txBody>
-                    <a:bodyPr tIns="18288" bIns="18288" lIns="45720" rIns="45720"/>
-                    <a:lstStyle/>
-                    <a:p>
-                      <a:pPr>
-                        <a:defRPr sz="700">
-                          <a:latin typeface="Arial Narrow"/>
-                        </a:defRPr>
-                      </a:pPr>
-                      <a:r>
-                        <a:t>27.13873631, -13.19135810</a:t>
-                      </a:r>
-                    </a:p>
-                  </a:txBody>
-                  <a:tcPr>
-                    <a:solidFill>
-                      <a:srgbClr val="F2F2F2"/>
+                      <a:srgbClr val="FFD4B9"/>
+                    </a:solidFill>
+                  </a:tcPr>
+                </a:tc>
+                <a:tc>
+                  <a:txBody>
+                    <a:bodyPr tIns="18288" bIns="18288" lIns="45720" rIns="45720"/>
+                    <a:lstStyle/>
+                    <a:p>
+                      <a:pPr>
+                        <a:defRPr sz="700">
+                          <a:latin typeface="Arial Narrow"/>
+                        </a:defRPr>
+                      </a:pPr>
+                      <a:r>
+                        <a:t>PKFFZKDZ</a:t>
+                      </a:r>
+                    </a:p>
+                  </a:txBody>
+                  <a:tcPr>
+                    <a:solidFill>
+                      <a:srgbClr val="FFD4B9"/>
+                    </a:solidFill>
+                  </a:tcPr>
+                </a:tc>
+                <a:tc>
+                  <a:txBody>
+                    <a:bodyPr tIns="18288" bIns="18288" lIns="45720" rIns="45720"/>
+                    <a:lstStyle/>
+                    <a:p>
+                      <a:pPr>
+                        <a:defRPr sz="700">
+                          <a:latin typeface="Arial Narrow"/>
+                        </a:defRPr>
+                      </a:pPr>
+                      <a:r>
+                        <a:t>-13.18644, 27.12888</a:t>
+                      </a:r>
+                    </a:p>
+                  </a:txBody>
+                  <a:tcPr>
+                    <a:solidFill>
+                      <a:srgbClr val="FFD4B9"/>
+                    </a:solidFill>
+                  </a:tcPr>
+                </a:tc>
+                <a:tc>
+                  <a:txBody>
+                    <a:bodyPr tIns="18288" bIns="18288" lIns="45720" rIns="45720"/>
+                    <a:lstStyle/>
+                    <a:p>
+                      <a:pPr>
+                        <a:defRPr sz="700">
+                          <a:latin typeface="Arial Narrow"/>
+                        </a:defRPr>
+                      </a:pPr>
+                      <a:r>
+                        <a:t>27.13874, -13.19136</a:t>
+                      </a:r>
+                    </a:p>
+                  </a:txBody>
+                  <a:tcPr>
+                    <a:solidFill>
+                      <a:srgbClr val="FFD4B9"/>
                     </a:solidFill>
                   </a:tcPr>
                 </a:tc>
@@ -5335,7 +6157,11 @@
                       </a:r>
                     </a:p>
                   </a:txBody>
-                  <a:tcPr/>
+                  <a:tcPr>
+                    <a:solidFill>
+                      <a:srgbClr val="FFFFFF"/>
+                    </a:solidFill>
+                  </a:tcPr>
                 </a:tc>
                 <a:tc>
                   <a:txBody>
@@ -5352,7 +6178,11 @@
                       </a:r>
                     </a:p>
                   </a:txBody>
-                  <a:tcPr/>
+                  <a:tcPr>
+                    <a:solidFill>
+                      <a:srgbClr val="FFFFFF"/>
+                    </a:solidFill>
+                  </a:tcPr>
                 </a:tc>
                 <a:tc>
                   <a:txBody>
@@ -5369,7 +6199,29 @@
                       </a:r>
                     </a:p>
                   </a:txBody>
-                  <a:tcPr/>
+                  <a:tcPr>
+                    <a:solidFill>
+                      <a:srgbClr val="FFFFFF"/>
+                    </a:solidFill>
+                  </a:tcPr>
+                </a:tc>
+                <a:tc>
+                  <a:txBody>
+                    <a:bodyPr tIns="18288" bIns="18288" lIns="45720" rIns="45720"/>
+                    <a:lstStyle/>
+                    <a:p>
+                      <a:pPr>
+                        <a:defRPr sz="700">
+                          <a:latin typeface="Arial Narrow"/>
+                        </a:defRPr>
+                      </a:pPr>
+                    </a:p>
+                  </a:txBody>
+                  <a:tcPr>
+                    <a:solidFill>
+                      <a:srgbClr val="FFFFFF"/>
+                    </a:solidFill>
+                  </a:tcPr>
                 </a:tc>
                 <a:tc>
                   <a:txBody>
@@ -5386,7 +6238,11 @@
                       </a:r>
                     </a:p>
                   </a:txBody>
-                  <a:tcPr/>
+                  <a:tcPr>
+                    <a:solidFill>
+                      <a:srgbClr val="FFFFFF"/>
+                    </a:solidFill>
+                  </a:tcPr>
                 </a:tc>
                 <a:tc>
                   <a:txBody>
@@ -5403,41 +6259,71 @@
                       </a:r>
                     </a:p>
                   </a:txBody>
-                  <a:tcPr/>
-                </a:tc>
-                <a:tc>
-                  <a:txBody>
-                    <a:bodyPr tIns="18288" bIns="18288" lIns="45720" rIns="45720"/>
-                    <a:lstStyle/>
-                    <a:p>
-                      <a:pPr>
-                        <a:defRPr sz="700">
-                          <a:latin typeface="Arial Narrow"/>
-                        </a:defRPr>
-                      </a:pPr>
-                      <a:r>
-                        <a:t>-13.20307799999999965, 27.1434570000000015</a:t>
-                      </a:r>
-                    </a:p>
-                  </a:txBody>
-                  <a:tcPr/>
-                </a:tc>
-                <a:tc>
-                  <a:txBody>
-                    <a:bodyPr tIns="18288" bIns="18288" lIns="45720" rIns="45720"/>
-                    <a:lstStyle/>
-                    <a:p>
-                      <a:pPr>
-                        <a:defRPr sz="700">
-                          <a:latin typeface="Arial Narrow"/>
-                        </a:defRPr>
-                      </a:pPr>
-                      <a:r>
-                        <a:t>27.14227788, -13.20136240</a:t>
-                      </a:r>
-                    </a:p>
-                  </a:txBody>
-                  <a:tcPr/>
+                  <a:tcPr>
+                    <a:solidFill>
+                      <a:srgbClr val="FFFFFF"/>
+                    </a:solidFill>
+                  </a:tcPr>
+                </a:tc>
+                <a:tc>
+                  <a:txBody>
+                    <a:bodyPr tIns="18288" bIns="18288" lIns="45720" rIns="45720"/>
+                    <a:lstStyle/>
+                    <a:p>
+                      <a:pPr>
+                        <a:defRPr sz="700">
+                          <a:latin typeface="Arial Narrow"/>
+                        </a:defRPr>
+                      </a:pPr>
+                    </a:p>
+                  </a:txBody>
+                  <a:tcPr>
+                    <a:solidFill>
+                      <a:srgbClr val="FFFFFF"/>
+                    </a:solidFill>
+                  </a:tcPr>
+                </a:tc>
+                <a:tc>
+                  <a:txBody>
+                    <a:bodyPr tIns="18288" bIns="18288" lIns="45720" rIns="45720"/>
+                    <a:lstStyle/>
+                    <a:p>
+                      <a:pPr>
+                        <a:defRPr sz="700">
+                          <a:latin typeface="Arial Narrow"/>
+                        </a:defRPr>
+                      </a:pPr>
+                      <a:r>
+                        <a:t>-13.20308, 27.14346</a:t>
+                      </a:r>
+                    </a:p>
+                  </a:txBody>
+                  <a:tcPr>
+                    <a:solidFill>
+                      <a:srgbClr val="FFFFFF"/>
+                    </a:solidFill>
+                  </a:tcPr>
+                </a:tc>
+                <a:tc>
+                  <a:txBody>
+                    <a:bodyPr tIns="18288" bIns="18288" lIns="45720" rIns="45720"/>
+                    <a:lstStyle/>
+                    <a:p>
+                      <a:pPr>
+                        <a:defRPr sz="700">
+                          <a:latin typeface="Arial Narrow"/>
+                        </a:defRPr>
+                      </a:pPr>
+                      <a:r>
+                        <a:t>27.14228, -13.20136</a:t>
+                      </a:r>
+                    </a:p>
+                  </a:txBody>
+                  <a:tcPr>
+                    <a:solidFill>
+                      <a:srgbClr val="FFFFFF"/>
+                    </a:solidFill>
+                  </a:tcPr>
                 </a:tc>
               </a:tr>
               <a:tr h="18000">
@@ -5458,7 +6344,7 @@
                   </a:txBody>
                   <a:tcPr>
                     <a:solidFill>
-                      <a:srgbClr val="F2F2F2"/>
+                      <a:srgbClr val="FFD4B9"/>
                     </a:solidFill>
                   </a:tcPr>
                 </a:tc>
@@ -5479,7 +6365,7 @@
                   </a:txBody>
                   <a:tcPr>
                     <a:solidFill>
-                      <a:srgbClr val="F2F2F2"/>
+                      <a:srgbClr val="FFD4B9"/>
                     </a:solidFill>
                   </a:tcPr>
                 </a:tc>
@@ -5500,7 +6386,28 @@
                   </a:txBody>
                   <a:tcPr>
                     <a:solidFill>
-                      <a:srgbClr val="F2F2F2"/>
+                      <a:srgbClr val="FFD4B9"/>
+                    </a:solidFill>
+                  </a:tcPr>
+                </a:tc>
+                <a:tc>
+                  <a:txBody>
+                    <a:bodyPr tIns="18288" bIns="18288" lIns="45720" rIns="45720"/>
+                    <a:lstStyle/>
+                    <a:p>
+                      <a:pPr>
+                        <a:defRPr sz="700">
+                          <a:latin typeface="Arial Narrow"/>
+                        </a:defRPr>
+                      </a:pPr>
+                      <a:r>
+                        <a:t>?</a:t>
+                      </a:r>
+                    </a:p>
+                  </a:txBody>
+                  <a:tcPr>
+                    <a:solidFill>
+                      <a:srgbClr val="FFD4B9"/>
                     </a:solidFill>
                   </a:tcPr>
                 </a:tc>
@@ -5521,7 +6428,7 @@
                   </a:txBody>
                   <a:tcPr>
                     <a:solidFill>
-                      <a:srgbClr val="F2F2F2"/>
+                      <a:srgbClr val="FFD4B9"/>
                     </a:solidFill>
                   </a:tcPr>
                 </a:tc>
@@ -5542,49 +6449,70 @@
                   </a:txBody>
                   <a:tcPr>
                     <a:solidFill>
-                      <a:srgbClr val="F2F2F2"/>
-                    </a:solidFill>
-                  </a:tcPr>
-                </a:tc>
-                <a:tc>
-                  <a:txBody>
-                    <a:bodyPr tIns="18288" bIns="18288" lIns="45720" rIns="45720"/>
-                    <a:lstStyle/>
-                    <a:p>
-                      <a:pPr>
-                        <a:defRPr sz="700">
-                          <a:latin typeface="Arial Narrow"/>
-                        </a:defRPr>
-                      </a:pPr>
-                      <a:r>
-                        <a:t>-13.18493899999999996, 27.14612909999999957</a:t>
-                      </a:r>
-                    </a:p>
-                  </a:txBody>
-                  <a:tcPr>
-                    <a:solidFill>
-                      <a:srgbClr val="F2F2F2"/>
-                    </a:solidFill>
-                  </a:tcPr>
-                </a:tc>
-                <a:tc>
-                  <a:txBody>
-                    <a:bodyPr tIns="18288" bIns="18288" lIns="45720" rIns="45720"/>
-                    <a:lstStyle/>
-                    <a:p>
-                      <a:pPr>
-                        <a:defRPr sz="700">
-                          <a:latin typeface="Arial Narrow"/>
-                        </a:defRPr>
-                      </a:pPr>
-                      <a:r>
-                        <a:t>27.15264578, -13.19149323</a:t>
-                      </a:r>
-                    </a:p>
-                  </a:txBody>
-                  <a:tcPr>
-                    <a:solidFill>
-                      <a:srgbClr val="F2F2F2"/>
+                      <a:srgbClr val="FFD4B9"/>
+                    </a:solidFill>
+                  </a:tcPr>
+                </a:tc>
+                <a:tc>
+                  <a:txBody>
+                    <a:bodyPr tIns="18288" bIns="18288" lIns="45720" rIns="45720"/>
+                    <a:lstStyle/>
+                    <a:p>
+                      <a:pPr>
+                        <a:defRPr sz="700">
+                          <a:latin typeface="Arial Narrow"/>
+                        </a:defRPr>
+                      </a:pPr>
+                      <a:r>
+                        <a:t>EFGRG</a:t>
+                      </a:r>
+                    </a:p>
+                  </a:txBody>
+                  <a:tcPr>
+                    <a:solidFill>
+                      <a:srgbClr val="FFD4B9"/>
+                    </a:solidFill>
+                  </a:tcPr>
+                </a:tc>
+                <a:tc>
+                  <a:txBody>
+                    <a:bodyPr tIns="18288" bIns="18288" lIns="45720" rIns="45720"/>
+                    <a:lstStyle/>
+                    <a:p>
+                      <a:pPr>
+                        <a:defRPr sz="700">
+                          <a:latin typeface="Arial Narrow"/>
+                        </a:defRPr>
+                      </a:pPr>
+                      <a:r>
+                        <a:t>-13.18494, 27.14613</a:t>
+                      </a:r>
+                    </a:p>
+                  </a:txBody>
+                  <a:tcPr>
+                    <a:solidFill>
+                      <a:srgbClr val="FFD4B9"/>
+                    </a:solidFill>
+                  </a:tcPr>
+                </a:tc>
+                <a:tc>
+                  <a:txBody>
+                    <a:bodyPr tIns="18288" bIns="18288" lIns="45720" rIns="45720"/>
+                    <a:lstStyle/>
+                    <a:p>
+                      <a:pPr>
+                        <a:defRPr sz="700">
+                          <a:latin typeface="Arial Narrow"/>
+                        </a:defRPr>
+                      </a:pPr>
+                      <a:r>
+                        <a:t>27.15265, -13.19149</a:t>
+                      </a:r>
+                    </a:p>
+                  </a:txBody>
+                  <a:tcPr>
+                    <a:solidFill>
+                      <a:srgbClr val="FFD4B9"/>
                     </a:solidFill>
                   </a:tcPr>
                 </a:tc>

--- a/media/generated_ppts/DR IAM_Agadir NOMATIS.pptx
+++ b/media/generated_ppts/DR IAM_Agadir NOMATIS.pptx
@@ -3232,9 +3232,45 @@
           </a:prstGeom>
         </p:spPr>
       </p:pic>
+      <p:sp>
+        <p:nvSpPr>
+          <p:cNvPr id="3" name="TextBox 2"/>
+          <p:cNvSpPr txBox="1"/>
+          <p:nvPr/>
+        </p:nvSpPr>
+        <p:spPr>
+          <a:xfrm>
+            <a:off x="1692000" y="2512800"/>
+            <a:ext cx="8640000" cy="432000"/>
+          </a:xfrm>
+          <a:prstGeom prst="rect">
+            <a:avLst/>
+          </a:prstGeom>
+          <a:noFill/>
+        </p:spPr>
+        <p:txBody>
+          <a:bodyPr wrap="none">
+            <a:spAutoFit/>
+          </a:bodyPr>
+          <a:lstStyle/>
+          <a:p>
+            <a:pPr>
+              <a:defRPr sz="900" b="0">
+                <a:solidFill>
+                  <a:srgbClr val="000000"/>
+                </a:solidFill>
+                <a:latin typeface="Arial Narrow"/>
+              </a:defRPr>
+            </a:pPr>
+            <a:r>
+              <a:t>01/12/1111         04/05/3233                                           "azertyuiopmlkjhgfdswxcvbnazertyuiopmlkjhgfdsq"</a:t>
+            </a:r>
+          </a:p>
+        </p:txBody>
+      </p:sp>
       <p:graphicFrame>
         <p:nvGraphicFramePr>
-          <p:cNvPr id="3" name="Table 2"/>
+          <p:cNvPr id="4" name="Table 3"/>
           <p:cNvGraphicFramePr>
             <a:graphicFrameLocks noGrp="1"/>
           </p:cNvGraphicFramePr>

--- a/media/generated_ppts/DR IAM_Agadir NOMATIS.pptx
+++ b/media/generated_ppts/DR IAM_Agadir NOMATIS.pptx
@@ -3232,45 +3232,9 @@
           </a:prstGeom>
         </p:spPr>
       </p:pic>
-      <p:sp>
-        <p:nvSpPr>
-          <p:cNvPr id="3" name="TextBox 2"/>
-          <p:cNvSpPr txBox="1"/>
-          <p:nvPr/>
-        </p:nvSpPr>
-        <p:spPr>
-          <a:xfrm>
-            <a:off x="1692000" y="2512800"/>
-            <a:ext cx="8640000" cy="432000"/>
-          </a:xfrm>
-          <a:prstGeom prst="rect">
-            <a:avLst/>
-          </a:prstGeom>
-          <a:noFill/>
-        </p:spPr>
-        <p:txBody>
-          <a:bodyPr wrap="none">
-            <a:spAutoFit/>
-          </a:bodyPr>
-          <a:lstStyle/>
-          <a:p>
-            <a:pPr>
-              <a:defRPr sz="900" b="0">
-                <a:solidFill>
-                  <a:srgbClr val="000000"/>
-                </a:solidFill>
-                <a:latin typeface="Arial Narrow"/>
-              </a:defRPr>
-            </a:pPr>
-            <a:r>
-              <a:t>01/12/1111         04/05/3233                                           "azertyuiopmlkjhgfdswxcvbnazertyuiopmlkjhgfdsq"</a:t>
-            </a:r>
-          </a:p>
-        </p:txBody>
-      </p:sp>
       <p:graphicFrame>
         <p:nvGraphicFramePr>
-          <p:cNvPr id="4" name="Table 3"/>
+          <p:cNvPr id="3" name="Table 2"/>
           <p:cNvGraphicFramePr>
             <a:graphicFrameLocks noGrp="1"/>
           </p:cNvGraphicFramePr>
